--- a/poster/Presentation1.pptx
+++ b/poster/Presentation1.pptx
@@ -104,6 +104,11 @@
       </a:defRPr>
     </a:lvl9pPr>
   </p:defaultTextStyle>
+  <p:extLst>
+    <p:ext uri="{EFAFB233-063F-42B5-8137-9DF3F51BA10A}">
+      <p15:sldGuideLst xmlns:p15="http://schemas.microsoft.com/office/powerpoint/2012/main"/>
+    </p:ext>
+  </p:extLst>
 </p:presentation>
 </file>
 
@@ -3402,6 +3407,387 @@
           </a:p>
         </p:txBody>
       </p:sp>
+      <p:sp>
+        <p:nvSpPr>
+          <p:cNvPr id="7" name="TextBox 8"/>
+          <p:cNvSpPr txBox="1"/>
+          <p:nvPr/>
+        </p:nvSpPr>
+        <p:spPr>
+          <a:xfrm>
+            <a:off x="895350" y="11118456"/>
+            <a:ext cx="9372600" cy="8402300"/>
+          </a:xfrm>
+          <a:prstGeom prst="rect">
+            <a:avLst/>
+          </a:prstGeom>
+          <a:noFill/>
+        </p:spPr>
+        <p:txBody>
+          <a:bodyPr wrap="square" rtlCol="0">
+            <a:spAutoFit/>
+          </a:bodyPr>
+          <a:lstStyle/>
+          <a:p>
+            <a:pPr>
+              <a:spcBef>
+                <a:spcPts val="1200"/>
+              </a:spcBef>
+              <a:spcAft>
+                <a:spcPts val="1200"/>
+              </a:spcAft>
+            </a:pPr>
+            <a:r>
+              <a:rPr lang="zh-TW" altLang="en-US" sz="4800" b="1" dirty="0" smtClean="0">
+                <a:latin typeface="微軟正黑體" panose="020B0604030504040204" pitchFamily="34" charset="-120"/>
+                <a:ea typeface="微軟正黑體" panose="020B0604030504040204" pitchFamily="34" charset="-120"/>
+              </a:rPr>
+              <a:t>壹、簡介</a:t>
+            </a:r>
+            <a:endParaRPr lang="en-US" altLang="zh-TW" sz="4800" b="1" dirty="0" smtClean="0">
+              <a:latin typeface="微軟正黑體" panose="020B0604030504040204" pitchFamily="34" charset="-120"/>
+              <a:ea typeface="微軟正黑體" panose="020B0604030504040204" pitchFamily="34" charset="-120"/>
+            </a:endParaRPr>
+          </a:p>
+          <a:p>
+            <a:pPr>
+              <a:spcBef>
+                <a:spcPts val="1200"/>
+              </a:spcBef>
+              <a:spcAft>
+                <a:spcPts val="1200"/>
+              </a:spcAft>
+            </a:pPr>
+            <a:r>
+              <a:rPr lang="en-US" altLang="zh-TW" sz="4800" dirty="0" smtClean="0">
+                <a:latin typeface="微軟正黑體" panose="020B0604030504040204" pitchFamily="34" charset="-120"/>
+                <a:ea typeface="微軟正黑體" panose="020B0604030504040204" pitchFamily="34" charset="-120"/>
+              </a:rPr>
+              <a:t>	</a:t>
+            </a:r>
+            <a:r>
+              <a:rPr lang="en-US" altLang="zh-TW" sz="4800" dirty="0" smtClean="0">
+                <a:latin typeface="微軟正黑體" panose="020B0604030504040204" pitchFamily="34" charset="-120"/>
+                <a:ea typeface="微軟正黑體" panose="020B0604030504040204" pitchFamily="34" charset="-120"/>
+              </a:rPr>
+              <a:t>	</a:t>
+            </a:r>
+            <a:r>
+              <a:rPr lang="zh-TW" altLang="en-US" sz="2800" dirty="0" smtClean="0">
+                <a:latin typeface="微軟正黑體" panose="020B0604030504040204" pitchFamily="34" charset="-120"/>
+                <a:ea typeface="微軟正黑體" panose="020B0604030504040204" pitchFamily="34" charset="-120"/>
+              </a:rPr>
+              <a:t>為了能在尺度大小、旋轉角度甚至是影像亮度不同的情形下，仍能辨別影像中相同之處，我們使用</a:t>
+            </a:r>
+            <a:r>
+              <a:rPr lang="en-US" altLang="zh-TW" sz="2800" b="1" dirty="0" smtClean="0">
+                <a:latin typeface="微軟正黑體" panose="020B0604030504040204" pitchFamily="34" charset="-120"/>
+                <a:ea typeface="微軟正黑體" panose="020B0604030504040204" pitchFamily="34" charset="-120"/>
+              </a:rPr>
+              <a:t>SURF</a:t>
+            </a:r>
+            <a:r>
+              <a:rPr lang="zh-TW" altLang="en-US" sz="2800" dirty="0" smtClean="0">
+                <a:latin typeface="微軟正黑體" panose="020B0604030504040204" pitchFamily="34" charset="-120"/>
+                <a:ea typeface="微軟正黑體" panose="020B0604030504040204" pitchFamily="34" charset="-120"/>
+              </a:rPr>
+              <a:t>來快速擷取影像中的特徵點。</a:t>
+            </a:r>
+            <a:endParaRPr lang="en-US" altLang="zh-TW" sz="2800" dirty="0" smtClean="0">
+              <a:latin typeface="微軟正黑體" panose="020B0604030504040204" pitchFamily="34" charset="-120"/>
+              <a:ea typeface="微軟正黑體" panose="020B0604030504040204" pitchFamily="34" charset="-120"/>
+            </a:endParaRPr>
+          </a:p>
+          <a:p>
+            <a:pPr>
+              <a:spcBef>
+                <a:spcPts val="1200"/>
+              </a:spcBef>
+              <a:spcAft>
+                <a:spcPts val="1200"/>
+              </a:spcAft>
+            </a:pPr>
+            <a:r>
+              <a:rPr lang="en-US" sz="2800" dirty="0" smtClean="0">
+                <a:latin typeface="微軟正黑體" panose="020B0604030504040204" pitchFamily="34" charset="-120"/>
+                <a:ea typeface="微軟正黑體" panose="020B0604030504040204" pitchFamily="34" charset="-120"/>
+              </a:rPr>
+              <a:t>		</a:t>
+            </a:r>
+            <a:r>
+              <a:rPr lang="zh-TW" altLang="en-US" sz="2800" dirty="0" smtClean="0">
+                <a:latin typeface="微軟正黑體" panose="020B0604030504040204" pitchFamily="34" charset="-120"/>
+                <a:ea typeface="微軟正黑體" panose="020B0604030504040204" pitchFamily="34" charset="-120"/>
+              </a:rPr>
+              <a:t>接著我們使用</a:t>
+            </a:r>
+            <a:r>
+              <a:rPr lang="zh-TW" altLang="en-US" sz="2800" b="1" dirty="0" smtClean="0">
+                <a:latin typeface="微軟正黑體" panose="020B0604030504040204" pitchFamily="34" charset="-120"/>
+                <a:ea typeface="微軟正黑體" panose="020B0604030504040204" pitchFamily="34" charset="-120"/>
+              </a:rPr>
+              <a:t>座標轉換矩陣</a:t>
+            </a:r>
+            <a:r>
+              <a:rPr lang="en-US" altLang="zh-TW" sz="2800" b="1" dirty="0" smtClean="0">
+                <a:latin typeface="微軟正黑體" panose="020B0604030504040204" pitchFamily="34" charset="-120"/>
+                <a:ea typeface="微軟正黑體" panose="020B0604030504040204" pitchFamily="34" charset="-120"/>
+              </a:rPr>
+              <a:t>(Homography)</a:t>
+            </a:r>
+            <a:r>
+              <a:rPr lang="zh-TW" altLang="en-US" sz="2800" dirty="0" smtClean="0">
+                <a:latin typeface="微軟正黑體" panose="020B0604030504040204" pitchFamily="34" charset="-120"/>
+                <a:ea typeface="微軟正黑體" panose="020B0604030504040204" pitchFamily="34" charset="-120"/>
+              </a:rPr>
+              <a:t>，將影像轉換至同一座標並對齊。</a:t>
+            </a:r>
+            <a:endParaRPr lang="en-US" altLang="zh-TW" sz="2800" dirty="0" smtClean="0">
+              <a:latin typeface="微軟正黑體" panose="020B0604030504040204" pitchFamily="34" charset="-120"/>
+              <a:ea typeface="微軟正黑體" panose="020B0604030504040204" pitchFamily="34" charset="-120"/>
+            </a:endParaRPr>
+          </a:p>
+          <a:p>
+            <a:pPr>
+              <a:spcBef>
+                <a:spcPts val="1200"/>
+              </a:spcBef>
+              <a:spcAft>
+                <a:spcPts val="1200"/>
+              </a:spcAft>
+            </a:pPr>
+            <a:r>
+              <a:rPr lang="en-US" altLang="zh-TW" sz="2800" dirty="0" smtClean="0">
+                <a:latin typeface="微軟正黑體" panose="020B0604030504040204" pitchFamily="34" charset="-120"/>
+                <a:ea typeface="微軟正黑體" panose="020B0604030504040204" pitchFamily="34" charset="-120"/>
+              </a:rPr>
+              <a:t>		</a:t>
+            </a:r>
+            <a:r>
+              <a:rPr lang="zh-TW" altLang="en-US" sz="2800" dirty="0" smtClean="0">
+                <a:latin typeface="微軟正黑體" panose="020B0604030504040204" pitchFamily="34" charset="-120"/>
+                <a:ea typeface="微軟正黑體" panose="020B0604030504040204" pitchFamily="34" charset="-120"/>
+              </a:rPr>
+              <a:t>其中我們使用</a:t>
+            </a:r>
+            <a:r>
+              <a:rPr lang="en-US" altLang="zh-TW" sz="2800" b="1" dirty="0" smtClean="0">
+                <a:latin typeface="微軟正黑體" panose="020B0604030504040204" pitchFamily="34" charset="-120"/>
+                <a:ea typeface="微軟正黑體" panose="020B0604030504040204" pitchFamily="34" charset="-120"/>
+              </a:rPr>
+              <a:t>RANSAC</a:t>
+            </a:r>
+            <a:r>
+              <a:rPr lang="zh-TW" altLang="en-US" sz="2800" dirty="0" smtClean="0">
+                <a:latin typeface="微軟正黑體" panose="020B0604030504040204" pitchFamily="34" charset="-120"/>
+                <a:ea typeface="微軟正黑體" panose="020B0604030504040204" pitchFamily="34" charset="-120"/>
+              </a:rPr>
+              <a:t>，透過隨機選取不同影像中配對好的特徵點，計算出座標轉換矩陣，再套用至其餘配對完成的特徵點檢驗轉換座標後是否吻合，最後找出可產生最多組吻合特徵點的矩陣作為整體影像的</a:t>
+            </a:r>
+            <a:r>
+              <a:rPr lang="zh-TW" altLang="en-US" sz="2800" dirty="0">
+                <a:latin typeface="微軟正黑體" panose="020B0604030504040204" pitchFamily="34" charset="-120"/>
+                <a:ea typeface="微軟正黑體" panose="020B0604030504040204" pitchFamily="34" charset="-120"/>
+              </a:rPr>
+              <a:t>座標轉換</a:t>
+            </a:r>
+            <a:r>
+              <a:rPr lang="zh-TW" altLang="en-US" sz="2800" dirty="0" smtClean="0">
+                <a:latin typeface="微軟正黑體" panose="020B0604030504040204" pitchFamily="34" charset="-120"/>
+                <a:ea typeface="微軟正黑體" panose="020B0604030504040204" pitchFamily="34" charset="-120"/>
+              </a:rPr>
+              <a:t>矩陣。</a:t>
+            </a:r>
+            <a:endParaRPr lang="en-US" altLang="zh-TW" sz="2800" b="1" dirty="0" smtClean="0">
+              <a:latin typeface="微軟正黑體" panose="020B0604030504040204" pitchFamily="34" charset="-120"/>
+              <a:ea typeface="微軟正黑體" panose="020B0604030504040204" pitchFamily="34" charset="-120"/>
+            </a:endParaRPr>
+          </a:p>
+          <a:p>
+            <a:pPr>
+              <a:spcBef>
+                <a:spcPts val="1200"/>
+              </a:spcBef>
+              <a:spcAft>
+                <a:spcPts val="1200"/>
+              </a:spcAft>
+            </a:pPr>
+            <a:r>
+              <a:rPr lang="en-US" sz="2800" dirty="0">
+                <a:latin typeface="微軟正黑體" panose="020B0604030504040204" pitchFamily="34" charset="-120"/>
+                <a:ea typeface="微軟正黑體" panose="020B0604030504040204" pitchFamily="34" charset="-120"/>
+              </a:rPr>
+              <a:t>	</a:t>
+            </a:r>
+            <a:r>
+              <a:rPr lang="en-US" sz="2800" dirty="0" smtClean="0">
+                <a:latin typeface="微軟正黑體" panose="020B0604030504040204" pitchFamily="34" charset="-120"/>
+                <a:ea typeface="微軟正黑體" panose="020B0604030504040204" pitchFamily="34" charset="-120"/>
+              </a:rPr>
+              <a:t>	</a:t>
+            </a:r>
+            <a:r>
+              <a:rPr lang="zh-TW" altLang="en-US" sz="2800" dirty="0" smtClean="0">
+                <a:latin typeface="微軟正黑體" panose="020B0604030504040204" pitchFamily="34" charset="-120"/>
+                <a:ea typeface="微軟正黑體" panose="020B0604030504040204" pitchFamily="34" charset="-120"/>
+              </a:rPr>
+              <a:t>而</a:t>
+            </a:r>
+            <a:r>
+              <a:rPr lang="zh-TW" altLang="en-US" sz="2800" b="1" dirty="0" smtClean="0">
+                <a:latin typeface="微軟正黑體" panose="020B0604030504040204" pitchFamily="34" charset="-120"/>
+                <a:ea typeface="微軟正黑體" panose="020B0604030504040204" pitchFamily="34" charset="-120"/>
+              </a:rPr>
+              <a:t>最佳影像縫線</a:t>
+            </a:r>
+            <a:r>
+              <a:rPr lang="zh-TW" altLang="en-US" sz="2800" dirty="0" smtClean="0">
+                <a:latin typeface="微軟正黑體" panose="020B0604030504040204" pitchFamily="34" charset="-120"/>
+                <a:ea typeface="微軟正黑體" panose="020B0604030504040204" pitchFamily="34" charset="-120"/>
+              </a:rPr>
+              <a:t>，則是為了解決影像重合區域內容並非完全相符，而產生的疊影與失真。因此我們在影像重疊區域中利用動態規畫</a:t>
+            </a:r>
+            <a:r>
+              <a:rPr lang="en-US" altLang="zh-TW" sz="2800" dirty="0" smtClean="0">
+                <a:latin typeface="微軟正黑體" panose="020B0604030504040204" pitchFamily="34" charset="-120"/>
+                <a:ea typeface="微軟正黑體" panose="020B0604030504040204" pitchFamily="34" charset="-120"/>
+              </a:rPr>
+              <a:t>(DP)</a:t>
+            </a:r>
+            <a:r>
+              <a:rPr lang="zh-TW" altLang="en-US" sz="2800" dirty="0" smtClean="0">
+                <a:latin typeface="微軟正黑體" panose="020B0604030504040204" pitchFamily="34" charset="-120"/>
+                <a:ea typeface="微軟正黑體" panose="020B0604030504040204" pitchFamily="34" charset="-120"/>
+              </a:rPr>
+              <a:t>尋找一條路徑，該路徑上的重疊影像的差異最小，由此劃分不同區域分屬何影像，減少縫合處的不自然。</a:t>
+            </a:r>
+            <a:endParaRPr lang="en-US" sz="2800" dirty="0">
+              <a:latin typeface="微軟正黑體" panose="020B0604030504040204" pitchFamily="34" charset="-120"/>
+              <a:ea typeface="微軟正黑體" panose="020B0604030504040204" pitchFamily="34" charset="-120"/>
+            </a:endParaRPr>
+          </a:p>
+        </p:txBody>
+      </p:sp>
+      <p:sp>
+        <p:nvSpPr>
+          <p:cNvPr id="8" name="TextBox 8"/>
+          <p:cNvSpPr txBox="1"/>
+          <p:nvPr/>
+        </p:nvSpPr>
+        <p:spPr>
+          <a:xfrm>
+            <a:off x="895350" y="19489977"/>
+            <a:ext cx="9372600" cy="3046988"/>
+          </a:xfrm>
+          <a:prstGeom prst="rect">
+            <a:avLst/>
+          </a:prstGeom>
+          <a:noFill/>
+        </p:spPr>
+        <p:txBody>
+          <a:bodyPr wrap="square" rtlCol="0">
+            <a:spAutoFit/>
+          </a:bodyPr>
+          <a:lstStyle/>
+          <a:p>
+            <a:pPr>
+              <a:spcBef>
+                <a:spcPts val="1200"/>
+              </a:spcBef>
+              <a:spcAft>
+                <a:spcPts val="1200"/>
+              </a:spcAft>
+            </a:pPr>
+            <a:r>
+              <a:rPr lang="zh-TW" altLang="en-US" sz="4800" b="1" dirty="0" smtClean="0">
+                <a:latin typeface="微軟正黑體" panose="020B0604030504040204" pitchFamily="34" charset="-120"/>
+                <a:ea typeface="微軟正黑體" panose="020B0604030504040204" pitchFamily="34" charset="-120"/>
+              </a:rPr>
+              <a:t>貳、實作方法</a:t>
+            </a:r>
+            <a:endParaRPr lang="en-US" altLang="zh-TW" sz="4800" b="1" dirty="0" smtClean="0">
+              <a:latin typeface="微軟正黑體" panose="020B0604030504040204" pitchFamily="34" charset="-120"/>
+              <a:ea typeface="微軟正黑體" panose="020B0604030504040204" pitchFamily="34" charset="-120"/>
+            </a:endParaRPr>
+          </a:p>
+          <a:p>
+            <a:pPr marL="914400" lvl="1" indent="-457200">
+              <a:spcBef>
+                <a:spcPts val="1200"/>
+              </a:spcBef>
+              <a:spcAft>
+                <a:spcPts val="1200"/>
+              </a:spcAft>
+              <a:buFont typeface="Arial" panose="020B0604020202020204" pitchFamily="34" charset="0"/>
+              <a:buChar char="•"/>
+            </a:pPr>
+            <a:r>
+              <a:rPr lang="zh-TW" altLang="en-US" sz="2800" dirty="0" smtClean="0">
+                <a:latin typeface="微軟正黑體" panose="020B0604030504040204" pitchFamily="34" charset="-120"/>
+                <a:ea typeface="微軟正黑體" panose="020B0604030504040204" pitchFamily="34" charset="-120"/>
+              </a:rPr>
+              <a:t>對一文件拍攝四張圖片</a:t>
+            </a:r>
+            <a:endParaRPr lang="en-US" altLang="zh-TW" sz="2800" dirty="0" smtClean="0">
+              <a:latin typeface="微軟正黑體" panose="020B0604030504040204" pitchFamily="34" charset="-120"/>
+              <a:ea typeface="微軟正黑體" panose="020B0604030504040204" pitchFamily="34" charset="-120"/>
+            </a:endParaRPr>
+          </a:p>
+          <a:p>
+            <a:pPr marL="914400" lvl="1" indent="-457200">
+              <a:spcBef>
+                <a:spcPts val="1200"/>
+              </a:spcBef>
+              <a:spcAft>
+                <a:spcPts val="1200"/>
+              </a:spcAft>
+              <a:buFont typeface="Arial" panose="020B0604020202020204" pitchFamily="34" charset="0"/>
+              <a:buChar char="•"/>
+            </a:pPr>
+            <a:r>
+              <a:rPr lang="zh-TW" altLang="en-US" sz="2800" dirty="0" smtClean="0">
+                <a:latin typeface="微軟正黑體" panose="020B0604030504040204" pitchFamily="34" charset="-120"/>
+                <a:ea typeface="微軟正黑體" panose="020B0604030504040204" pitchFamily="34" charset="-120"/>
+              </a:rPr>
+              <a:t>分別對四張圖片使用</a:t>
+            </a:r>
+            <a:r>
+              <a:rPr lang="en-US" altLang="zh-TW" sz="2800" dirty="0" smtClean="0">
+                <a:latin typeface="微軟正黑體" panose="020B0604030504040204" pitchFamily="34" charset="-120"/>
+                <a:ea typeface="微軟正黑體" panose="020B0604030504040204" pitchFamily="34" charset="-120"/>
+              </a:rPr>
+              <a:t>SURF</a:t>
+            </a:r>
+            <a:r>
+              <a:rPr lang="zh-TW" altLang="en-US" sz="2800" dirty="0" smtClean="0">
+                <a:latin typeface="微軟正黑體" panose="020B0604030504040204" pitchFamily="34" charset="-120"/>
+                <a:ea typeface="微軟正黑體" panose="020B0604030504040204" pitchFamily="34" charset="-120"/>
+              </a:rPr>
+              <a:t>找尋特徵點</a:t>
+            </a:r>
+            <a:endParaRPr lang="en-US" altLang="zh-TW" sz="2800" dirty="0" smtClean="0">
+              <a:latin typeface="微軟正黑體" panose="020B0604030504040204" pitchFamily="34" charset="-120"/>
+              <a:ea typeface="微軟正黑體" panose="020B0604030504040204" pitchFamily="34" charset="-120"/>
+            </a:endParaRPr>
+          </a:p>
+          <a:p>
+            <a:pPr marL="914400" lvl="1" indent="-457200">
+              <a:spcBef>
+                <a:spcPts val="1200"/>
+              </a:spcBef>
+              <a:spcAft>
+                <a:spcPts val="1200"/>
+              </a:spcAft>
+              <a:buFont typeface="Arial" panose="020B0604020202020204" pitchFamily="34" charset="0"/>
+              <a:buChar char="•"/>
+            </a:pPr>
+            <a:endParaRPr lang="en-US" altLang="zh-TW" sz="2800" dirty="0" smtClean="0">
+              <a:latin typeface="微軟正黑體" panose="020B0604030504040204" pitchFamily="34" charset="-120"/>
+              <a:ea typeface="微軟正黑體" panose="020B0604030504040204" pitchFamily="34" charset="-120"/>
+            </a:endParaRPr>
+          </a:p>
+        </p:txBody>
+      </p:sp>
     </p:spTree>
     <p:extLst>
       <p:ext uri="{BB962C8B-B14F-4D97-AF65-F5344CB8AC3E}">

--- a/poster/Presentation1.pptx
+++ b/poster/Presentation1.pptx
@@ -3196,11 +3196,11 @@
               </a:spcAft>
             </a:pPr>
             <a:r>
-              <a:rPr lang="zh-TW" altLang="en-US" sz="4800" b="1" dirty="0" smtClean="0">
-                <a:latin typeface="微軟正黑體" panose="020B0604030504040204" pitchFamily="34" charset="-120"/>
-                <a:ea typeface="微軟正黑體" panose="020B0604030504040204" pitchFamily="34" charset="-120"/>
-              </a:rPr>
-              <a:t>摘要</a:t>
+              <a:rPr lang="zh-TW" altLang="en-US" sz="4800" b="1" dirty="0">
+                <a:latin typeface="微軟正黑體" panose="020B0604030504040204" pitchFamily="34" charset="-120"/>
+                <a:ea typeface="微軟正黑體" panose="020B0604030504040204" pitchFamily="34" charset="-120"/>
+              </a:rPr>
+              <a:t>壹、摘要</a:t>
             </a:r>
             <a:endParaRPr lang="en-US" altLang="zh-TW" sz="4800" dirty="0" smtClean="0">
               <a:latin typeface="微軟正黑體" panose="020B0604030504040204" pitchFamily="34" charset="-120"/>
@@ -3228,7 +3228,14 @@
                 <a:latin typeface="微軟正黑體" panose="020B0604030504040204" pitchFamily="34" charset="-120"/>
                 <a:ea typeface="微軟正黑體" panose="020B0604030504040204" pitchFamily="34" charset="-120"/>
               </a:rPr>
-              <a:t>現有的智慧型手機文件掃描</a:t>
+              <a:t>現有</a:t>
+            </a:r>
+            <a:r>
+              <a:rPr lang="zh-TW" altLang="en-US" sz="2800" dirty="0" smtClean="0">
+                <a:latin typeface="微軟正黑體" panose="020B0604030504040204" pitchFamily="34" charset="-120"/>
+                <a:ea typeface="微軟正黑體" panose="020B0604030504040204" pitchFamily="34" charset="-120"/>
+              </a:rPr>
+              <a:t>的智慧型手機文件掃描</a:t>
             </a:r>
             <a:r>
               <a:rPr lang="en-US" altLang="zh-TW" sz="2800" dirty="0" smtClean="0">
@@ -3438,11 +3445,18 @@
               </a:spcAft>
             </a:pPr>
             <a:r>
+              <a:rPr lang="zh-TW" altLang="en-US" sz="4800" b="1" dirty="0">
+                <a:latin typeface="微軟正黑體" panose="020B0604030504040204" pitchFamily="34" charset="-120"/>
+                <a:ea typeface="微軟正黑體" panose="020B0604030504040204" pitchFamily="34" charset="-120"/>
+              </a:rPr>
+              <a:t>貳、</a:t>
+            </a:r>
+            <a:r>
               <a:rPr lang="zh-TW" altLang="en-US" sz="4800" b="1" dirty="0" smtClean="0">
                 <a:latin typeface="微軟正黑體" panose="020B0604030504040204" pitchFamily="34" charset="-120"/>
                 <a:ea typeface="微軟正黑體" panose="020B0604030504040204" pitchFamily="34" charset="-120"/>
               </a:rPr>
-              <a:t>壹、簡介</a:t>
+              <a:t>簡介</a:t>
             </a:r>
             <a:endParaRPr lang="en-US" altLang="zh-TW" sz="4800" b="1" dirty="0" smtClean="0">
               <a:latin typeface="微軟正黑體" panose="020B0604030504040204" pitchFamily="34" charset="-120"/>
@@ -3463,14 +3477,7 @@
                 <a:latin typeface="微軟正黑體" panose="020B0604030504040204" pitchFamily="34" charset="-120"/>
                 <a:ea typeface="微軟正黑體" panose="020B0604030504040204" pitchFamily="34" charset="-120"/>
               </a:rPr>
-              <a:t>	</a:t>
-            </a:r>
-            <a:r>
-              <a:rPr lang="en-US" altLang="zh-TW" sz="4800" dirty="0" smtClean="0">
-                <a:latin typeface="微軟正黑體" panose="020B0604030504040204" pitchFamily="34" charset="-120"/>
-                <a:ea typeface="微軟正黑體" panose="020B0604030504040204" pitchFamily="34" charset="-120"/>
-              </a:rPr>
-              <a:t>	</a:t>
+              <a:t>		</a:t>
             </a:r>
             <a:r>
               <a:rPr lang="zh-TW" altLang="en-US" sz="2800" dirty="0" smtClean="0">
@@ -3533,7 +3540,28 @@
                 <a:latin typeface="微軟正黑體" panose="020B0604030504040204" pitchFamily="34" charset="-120"/>
                 <a:ea typeface="微軟正黑體" panose="020B0604030504040204" pitchFamily="34" charset="-120"/>
               </a:rPr>
-              <a:t>(Homography)</a:t>
+              <a:t>(</a:t>
+            </a:r>
+            <a:r>
+              <a:rPr lang="en-US" altLang="zh-TW" sz="2800" b="1" dirty="0" smtClean="0">
+                <a:latin typeface="微軟正黑體" panose="020B0604030504040204" pitchFamily="34" charset="-120"/>
+                <a:ea typeface="微軟正黑體" panose="020B0604030504040204" pitchFamily="34" charset="-120"/>
+              </a:rPr>
+              <a:t>Homography</a:t>
+            </a:r>
+            <a:r>
+              <a:rPr lang="zh-TW" altLang="en-US" sz="2800" b="1" dirty="0" smtClean="0">
+                <a:latin typeface="微軟正黑體" panose="020B0604030504040204" pitchFamily="34" charset="-120"/>
+                <a:ea typeface="微軟正黑體" panose="020B0604030504040204" pitchFamily="34" charset="-120"/>
+              </a:rPr>
+              <a:t>，以下簡稱</a:t>
+            </a:r>
+            <a:r>
+              <a:rPr lang="en-US" altLang="zh-TW" sz="2800" b="1" dirty="0" smtClean="0">
+                <a:latin typeface="微軟正黑體" panose="020B0604030504040204" pitchFamily="34" charset="-120"/>
+                <a:ea typeface="微軟正黑體" panose="020B0604030504040204" pitchFamily="34" charset="-120"/>
+              </a:rPr>
+              <a:t>H)</a:t>
             </a:r>
             <a:r>
               <a:rPr lang="zh-TW" altLang="en-US" sz="2800" dirty="0" smtClean="0">
@@ -3670,14 +3698,14 @@
       </p:sp>
       <p:sp>
         <p:nvSpPr>
-          <p:cNvPr id="8" name="TextBox 8"/>
+          <p:cNvPr id="17" name="TextBox 8"/>
           <p:cNvSpPr txBox="1"/>
           <p:nvPr/>
         </p:nvSpPr>
         <p:spPr>
           <a:xfrm>
-            <a:off x="895350" y="19489977"/>
-            <a:ext cx="9372600" cy="3046988"/>
+            <a:off x="10374284" y="5410788"/>
+            <a:ext cx="10631516" cy="6432530"/>
           </a:xfrm>
           <a:prstGeom prst="rect">
             <a:avLst/>
@@ -3698,35 +3726,56 @@
                 <a:spcPts val="1200"/>
               </a:spcAft>
             </a:pPr>
-            <a:r>
-              <a:rPr lang="zh-TW" altLang="en-US" sz="4800" b="1" dirty="0" smtClean="0">
-                <a:latin typeface="微軟正黑體" panose="020B0604030504040204" pitchFamily="34" charset="-120"/>
-                <a:ea typeface="微軟正黑體" panose="020B0604030504040204" pitchFamily="34" charset="-120"/>
-              </a:rPr>
-              <a:t>貳、實作方法</a:t>
-            </a:r>
-            <a:endParaRPr lang="en-US" altLang="zh-TW" sz="4800" b="1" dirty="0" smtClean="0">
+            <a:endParaRPr lang="en-US" altLang="zh-TW" sz="4800" dirty="0">
               <a:latin typeface="微軟正黑體" panose="020B0604030504040204" pitchFamily="34" charset="-120"/>
               <a:ea typeface="微軟正黑體" panose="020B0604030504040204" pitchFamily="34" charset="-120"/>
             </a:endParaRPr>
           </a:p>
           <a:p>
-            <a:pPr marL="914400" lvl="1" indent="-457200">
+            <a:pPr marL="971550" lvl="1" indent="-514350">
               <a:spcBef>
                 <a:spcPts val="1200"/>
               </a:spcBef>
               <a:spcAft>
                 <a:spcPts val="1200"/>
               </a:spcAft>
-              <a:buFont typeface="Arial" panose="020B0604020202020204" pitchFamily="34" charset="0"/>
-              <a:buChar char="•"/>
+              <a:buFont typeface="+mj-lt"/>
+              <a:buAutoNum type="arabicPeriod" startAt="3"/>
             </a:pPr>
             <a:r>
               <a:rPr lang="zh-TW" altLang="en-US" sz="2800" dirty="0" smtClean="0">
                 <a:latin typeface="微軟正黑體" panose="020B0604030504040204" pitchFamily="34" charset="-120"/>
                 <a:ea typeface="微軟正黑體" panose="020B0604030504040204" pitchFamily="34" charset="-120"/>
               </a:rPr>
-              <a:t>對一文件拍攝四張圖片</a:t>
+              <a:t>產生路徑上各節點間之座標轉換矩陣</a:t>
+            </a:r>
+            <a:r>
+              <a:rPr lang="en-US" altLang="zh-TW" sz="2800" dirty="0" smtClean="0">
+                <a:latin typeface="微軟正黑體" panose="020B0604030504040204" pitchFamily="34" charset="-120"/>
+                <a:ea typeface="微軟正黑體" panose="020B0604030504040204" pitchFamily="34" charset="-120"/>
+              </a:rPr>
+              <a:t>(H)</a:t>
+            </a:r>
+            <a:r>
+              <a:rPr lang="zh-TW" altLang="en-US" sz="2800" dirty="0" smtClean="0">
+                <a:latin typeface="微軟正黑體" panose="020B0604030504040204" pitchFamily="34" charset="-120"/>
+                <a:ea typeface="微軟正黑體" panose="020B0604030504040204" pitchFamily="34" charset="-120"/>
+              </a:rPr>
+              <a:t>，由路徑最短至最長產生</a:t>
+            </a:r>
+            <a:r>
+              <a:rPr lang="en-US" altLang="zh-TW" sz="2800" dirty="0" smtClean="0">
+                <a:latin typeface="微軟正黑體" panose="020B0604030504040204" pitchFamily="34" charset="-120"/>
+                <a:ea typeface="微軟正黑體" panose="020B0604030504040204" pitchFamily="34" charset="-120"/>
+              </a:rPr>
+              <a:t>H</a:t>
+            </a:r>
+            <a:r>
+              <a:rPr lang="zh-TW" altLang="en-US" sz="2800" dirty="0" smtClean="0">
+                <a:latin typeface="微軟正黑體" panose="020B0604030504040204" pitchFamily="34" charset="-120"/>
+                <a:ea typeface="微軟正黑體" panose="020B0604030504040204" pitchFamily="34" charset="-120"/>
+              </a:rPr>
+              <a:t>，並存入一二維陣列。</a:t>
             </a:r>
             <a:endParaRPr lang="en-US" altLang="zh-TW" sz="2800" dirty="0" smtClean="0">
               <a:latin typeface="微軟正黑體" panose="020B0604030504040204" pitchFamily="34" charset="-120"/>
@@ -3734,37 +3783,78 @@
             </a:endParaRPr>
           </a:p>
           <a:p>
-            <a:pPr marL="914400" lvl="1" indent="-457200">
+            <a:pPr marL="971550" lvl="1" indent="-514350">
               <a:spcBef>
                 <a:spcPts val="1200"/>
               </a:spcBef>
               <a:spcAft>
                 <a:spcPts val="1200"/>
               </a:spcAft>
-              <a:buFont typeface="Arial" panose="020B0604020202020204" pitchFamily="34" charset="0"/>
-              <a:buChar char="•"/>
+              <a:buFont typeface="+mj-lt"/>
+              <a:buAutoNum type="arabicPeriod" startAt="3"/>
             </a:pPr>
-            <a:r>
-              <a:rPr lang="zh-TW" altLang="en-US" sz="2800" dirty="0" smtClean="0">
-                <a:latin typeface="微軟正黑體" panose="020B0604030504040204" pitchFamily="34" charset="-120"/>
-                <a:ea typeface="微軟正黑體" panose="020B0604030504040204" pitchFamily="34" charset="-120"/>
-              </a:rPr>
-              <a:t>分別對四張圖片使用</a:t>
-            </a:r>
-            <a:r>
-              <a:rPr lang="en-US" altLang="zh-TW" sz="2800" dirty="0" smtClean="0">
-                <a:latin typeface="微軟正黑體" panose="020B0604030504040204" pitchFamily="34" charset="-120"/>
-                <a:ea typeface="微軟正黑體" panose="020B0604030504040204" pitchFamily="34" charset="-120"/>
-              </a:rPr>
-              <a:t>SURF</a:t>
-            </a:r>
-            <a:r>
-              <a:rPr lang="zh-TW" altLang="en-US" sz="2800" dirty="0" smtClean="0">
-                <a:latin typeface="微軟正黑體" panose="020B0604030504040204" pitchFamily="34" charset="-120"/>
-                <a:ea typeface="微軟正黑體" panose="020B0604030504040204" pitchFamily="34" charset="-120"/>
-              </a:rPr>
-              <a:t>找尋特徵點</a:t>
-            </a:r>
+            <a:endParaRPr lang="en-US" altLang="zh-TW" sz="2800" dirty="0" smtClean="0">
+              <a:latin typeface="微軟正黑體" panose="020B0604030504040204" pitchFamily="34" charset="-120"/>
+              <a:ea typeface="微軟正黑體" panose="020B0604030504040204" pitchFamily="34" charset="-120"/>
+            </a:endParaRPr>
+          </a:p>
+          <a:p>
+            <a:pPr marL="971550" lvl="1" indent="-514350">
+              <a:spcBef>
+                <a:spcPts val="1200"/>
+              </a:spcBef>
+              <a:spcAft>
+                <a:spcPts val="1200"/>
+              </a:spcAft>
+              <a:buFont typeface="+mj-lt"/>
+              <a:buAutoNum type="arabicPeriod" startAt="3"/>
+            </a:pPr>
+            <a:endParaRPr lang="en-US" altLang="zh-TW" sz="2800" dirty="0">
+              <a:latin typeface="微軟正黑體" panose="020B0604030504040204" pitchFamily="34" charset="-120"/>
+              <a:ea typeface="微軟正黑體" panose="020B0604030504040204" pitchFamily="34" charset="-120"/>
+            </a:endParaRPr>
+          </a:p>
+          <a:p>
+            <a:pPr marL="971550" lvl="1" indent="-514350">
+              <a:spcBef>
+                <a:spcPts val="1200"/>
+              </a:spcBef>
+              <a:spcAft>
+                <a:spcPts val="1200"/>
+              </a:spcAft>
+              <a:buFont typeface="+mj-lt"/>
+              <a:buAutoNum type="arabicPeriod" startAt="3"/>
+            </a:pPr>
+            <a:endParaRPr lang="en-US" altLang="zh-TW" sz="2800" dirty="0" smtClean="0">
+              <a:latin typeface="微軟正黑體" panose="020B0604030504040204" pitchFamily="34" charset="-120"/>
+              <a:ea typeface="微軟正黑體" panose="020B0604030504040204" pitchFamily="34" charset="-120"/>
+            </a:endParaRPr>
+          </a:p>
+          <a:p>
+            <a:pPr lvl="1">
+              <a:spcBef>
+                <a:spcPts val="1200"/>
+              </a:spcBef>
+              <a:spcAft>
+                <a:spcPts val="1200"/>
+              </a:spcAft>
+            </a:pPr>
+            <a:endParaRPr lang="en-US" altLang="zh-TW" sz="2800" dirty="0">
+              <a:latin typeface="微軟正黑體" panose="020B0604030504040204" pitchFamily="34" charset="-120"/>
+              <a:ea typeface="微軟正黑體" panose="020B0604030504040204" pitchFamily="34" charset="-120"/>
+            </a:endParaRPr>
+          </a:p>
+          <a:p>
+            <a:pPr marL="514350" indent="-514350">
+              <a:spcBef>
+                <a:spcPts val="1200"/>
+              </a:spcBef>
+              <a:spcAft>
+                <a:spcPts val="1200"/>
+              </a:spcAft>
+              <a:buFont typeface="+mj-lt"/>
+              <a:buAutoNum type="arabicPeriod" startAt="3"/>
+            </a:pPr>
             <a:endParaRPr lang="en-US" altLang="zh-TW" sz="2800" dirty="0" smtClean="0">
               <a:latin typeface="微軟正黑體" panose="020B0604030504040204" pitchFamily="34" charset="-120"/>
               <a:ea typeface="微軟正黑體" panose="020B0604030504040204" pitchFamily="34" charset="-120"/>
@@ -3788,6 +3878,453 @@
           </a:p>
         </p:txBody>
       </p:sp>
+      <p:grpSp>
+        <p:nvGrpSpPr>
+          <p:cNvPr id="24" name="群組 23"/>
+          <p:cNvGrpSpPr/>
+          <p:nvPr/>
+        </p:nvGrpSpPr>
+        <p:grpSpPr>
+          <a:xfrm>
+            <a:off x="895350" y="19520757"/>
+            <a:ext cx="9478934" cy="9712149"/>
+            <a:chOff x="895350" y="19520757"/>
+            <a:chExt cx="9478934" cy="9712149"/>
+          </a:xfrm>
+        </p:grpSpPr>
+        <p:grpSp>
+          <p:nvGrpSpPr>
+            <p:cNvPr id="13" name="群組 12"/>
+            <p:cNvGrpSpPr/>
+            <p:nvPr/>
+          </p:nvGrpSpPr>
+          <p:grpSpPr>
+            <a:xfrm>
+              <a:off x="895350" y="19520757"/>
+              <a:ext cx="9478934" cy="8032968"/>
+              <a:chOff x="895350" y="19520756"/>
+              <a:chExt cx="9478934" cy="8129156"/>
+            </a:xfrm>
+          </p:grpSpPr>
+          <p:grpSp>
+            <p:nvGrpSpPr>
+              <p:cNvPr id="11" name="群組 10"/>
+              <p:cNvGrpSpPr/>
+              <p:nvPr/>
+            </p:nvGrpSpPr>
+            <p:grpSpPr>
+              <a:xfrm>
+                <a:off x="895350" y="19520756"/>
+                <a:ext cx="9478934" cy="8129156"/>
+                <a:chOff x="895350" y="21420246"/>
+                <a:chExt cx="9372600" cy="8129156"/>
+              </a:xfrm>
+            </p:grpSpPr>
+            <p:sp>
+              <p:nvSpPr>
+                <p:cNvPr id="8" name="TextBox 8"/>
+                <p:cNvSpPr txBox="1"/>
+                <p:nvPr/>
+              </p:nvSpPr>
+              <p:spPr>
+                <a:xfrm>
+                  <a:off x="895350" y="21420246"/>
+                  <a:ext cx="9372600" cy="8129156"/>
+                </a:xfrm>
+                <a:prstGeom prst="rect">
+                  <a:avLst/>
+                </a:prstGeom>
+                <a:noFill/>
+              </p:spPr>
+              <p:txBody>
+                <a:bodyPr wrap="square" rtlCol="0">
+                  <a:spAutoFit/>
+                </a:bodyPr>
+                <a:lstStyle/>
+                <a:p>
+                  <a:pPr>
+                    <a:spcBef>
+                      <a:spcPts val="1200"/>
+                    </a:spcBef>
+                    <a:spcAft>
+                      <a:spcPts val="1200"/>
+                    </a:spcAft>
+                  </a:pPr>
+                  <a:r>
+                    <a:rPr lang="zh-TW" altLang="en-US" sz="4800" b="1" dirty="0">
+                      <a:latin typeface="微軟正黑體" panose="020B0604030504040204" pitchFamily="34" charset="-120"/>
+                      <a:ea typeface="微軟正黑體" panose="020B0604030504040204" pitchFamily="34" charset="-120"/>
+                    </a:rPr>
+                    <a:t>参</a:t>
+                  </a:r>
+                  <a:r>
+                    <a:rPr lang="zh-TW" altLang="en-US" sz="4800" b="1" dirty="0" smtClean="0">
+                      <a:latin typeface="微軟正黑體" panose="020B0604030504040204" pitchFamily="34" charset="-120"/>
+                      <a:ea typeface="微軟正黑體" panose="020B0604030504040204" pitchFamily="34" charset="-120"/>
+                    </a:rPr>
+                    <a:t>、</a:t>
+                  </a:r>
+                  <a:r>
+                    <a:rPr lang="zh-TW" altLang="en-US" sz="4800" b="1" dirty="0" smtClean="0">
+                      <a:latin typeface="微軟正黑體" panose="020B0604030504040204" pitchFamily="34" charset="-120"/>
+                      <a:ea typeface="微軟正黑體" panose="020B0604030504040204" pitchFamily="34" charset="-120"/>
+                    </a:rPr>
+                    <a:t>實作方法</a:t>
+                  </a:r>
+                  <a:endParaRPr lang="en-US" altLang="zh-TW" sz="4800" b="1" dirty="0" smtClean="0">
+                    <a:latin typeface="微軟正黑體" panose="020B0604030504040204" pitchFamily="34" charset="-120"/>
+                    <a:ea typeface="微軟正黑體" panose="020B0604030504040204" pitchFamily="34" charset="-120"/>
+                  </a:endParaRPr>
+                </a:p>
+                <a:p>
+                  <a:pPr marL="971550" lvl="1" indent="-514350">
+                    <a:spcBef>
+                      <a:spcPts val="1200"/>
+                    </a:spcBef>
+                    <a:spcAft>
+                      <a:spcPts val="1200"/>
+                    </a:spcAft>
+                    <a:buFont typeface="+mj-lt"/>
+                    <a:buAutoNum type="arabicPeriod"/>
+                  </a:pPr>
+                  <a:r>
+                    <a:rPr lang="zh-TW" altLang="en-US" sz="2800" dirty="0" smtClean="0">
+                      <a:latin typeface="微軟正黑體" panose="020B0604030504040204" pitchFamily="34" charset="-120"/>
+                      <a:ea typeface="微軟正黑體" panose="020B0604030504040204" pitchFamily="34" charset="-120"/>
+                    </a:rPr>
+                    <a:t>對一文件拍攝四張</a:t>
+                  </a:r>
+                  <a:r>
+                    <a:rPr lang="zh-TW" altLang="en-US" sz="2800" dirty="0" smtClean="0">
+                      <a:latin typeface="微軟正黑體" panose="020B0604030504040204" pitchFamily="34" charset="-120"/>
+                      <a:ea typeface="微軟正黑體" panose="020B0604030504040204" pitchFamily="34" charset="-120"/>
+                    </a:rPr>
+                    <a:t>圖片，分別</a:t>
+                  </a:r>
+                  <a:r>
+                    <a:rPr lang="zh-TW" altLang="en-US" sz="2800" dirty="0">
+                      <a:latin typeface="微軟正黑體" panose="020B0604030504040204" pitchFamily="34" charset="-120"/>
+                      <a:ea typeface="微軟正黑體" panose="020B0604030504040204" pitchFamily="34" charset="-120"/>
+                    </a:rPr>
+                    <a:t>對四張圖片使用</a:t>
+                  </a:r>
+                  <a:r>
+                    <a:rPr lang="en-US" altLang="zh-TW" sz="2800" dirty="0">
+                      <a:latin typeface="微軟正黑體" panose="020B0604030504040204" pitchFamily="34" charset="-120"/>
+                      <a:ea typeface="微軟正黑體" panose="020B0604030504040204" pitchFamily="34" charset="-120"/>
+                    </a:rPr>
+                    <a:t>SURF</a:t>
+                  </a:r>
+                  <a:r>
+                    <a:rPr lang="zh-TW" altLang="en-US" sz="2800" dirty="0">
+                      <a:latin typeface="微軟正黑體" panose="020B0604030504040204" pitchFamily="34" charset="-120"/>
+                      <a:ea typeface="微軟正黑體" panose="020B0604030504040204" pitchFamily="34" charset="-120"/>
+                    </a:rPr>
+                    <a:t>找尋特徵</a:t>
+                  </a:r>
+                  <a:r>
+                    <a:rPr lang="zh-TW" altLang="en-US" sz="2800" dirty="0" smtClean="0">
+                      <a:latin typeface="微軟正黑體" panose="020B0604030504040204" pitchFamily="34" charset="-120"/>
+                      <a:ea typeface="微軟正黑體" panose="020B0604030504040204" pitchFamily="34" charset="-120"/>
+                    </a:rPr>
+                    <a:t>點，最後</a:t>
+                  </a:r>
+                  <a:r>
+                    <a:rPr lang="zh-TW" altLang="en-US" sz="2800" dirty="0">
+                      <a:latin typeface="微軟正黑體" panose="020B0604030504040204" pitchFamily="34" charset="-120"/>
+                      <a:ea typeface="微軟正黑體" panose="020B0604030504040204" pitchFamily="34" charset="-120"/>
+                    </a:rPr>
+                    <a:t>將相同的特徵點配對</a:t>
+                  </a:r>
+                  <a:endParaRPr lang="en-US" altLang="zh-TW" sz="2800" dirty="0">
+                    <a:latin typeface="微軟正黑體" panose="020B0604030504040204" pitchFamily="34" charset="-120"/>
+                    <a:ea typeface="微軟正黑體" panose="020B0604030504040204" pitchFamily="34" charset="-120"/>
+                  </a:endParaRPr>
+                </a:p>
+                <a:p>
+                  <a:pPr marL="971550" lvl="1" indent="-514350">
+                    <a:spcBef>
+                      <a:spcPts val="1200"/>
+                    </a:spcBef>
+                    <a:spcAft>
+                      <a:spcPts val="1200"/>
+                    </a:spcAft>
+                    <a:buFont typeface="+mj-lt"/>
+                    <a:buAutoNum type="arabicPeriod"/>
+                  </a:pPr>
+                  <a:endParaRPr lang="en-US" altLang="zh-TW" sz="2800" dirty="0" smtClean="0">
+                    <a:latin typeface="微軟正黑體" panose="020B0604030504040204" pitchFamily="34" charset="-120"/>
+                    <a:ea typeface="微軟正黑體" panose="020B0604030504040204" pitchFamily="34" charset="-120"/>
+                  </a:endParaRPr>
+                </a:p>
+                <a:p>
+                  <a:pPr marL="971550" lvl="1" indent="-514350">
+                    <a:spcBef>
+                      <a:spcPts val="1200"/>
+                    </a:spcBef>
+                    <a:spcAft>
+                      <a:spcPts val="1200"/>
+                    </a:spcAft>
+                    <a:buFont typeface="+mj-lt"/>
+                    <a:buAutoNum type="arabicPeriod"/>
+                  </a:pPr>
+                  <a:endParaRPr lang="en-US" altLang="zh-TW" sz="2800" dirty="0">
+                    <a:latin typeface="微軟正黑體" panose="020B0604030504040204" pitchFamily="34" charset="-120"/>
+                    <a:ea typeface="微軟正黑體" panose="020B0604030504040204" pitchFamily="34" charset="-120"/>
+                  </a:endParaRPr>
+                </a:p>
+                <a:p>
+                  <a:pPr marL="971550" lvl="1" indent="-514350">
+                    <a:spcBef>
+                      <a:spcPts val="1200"/>
+                    </a:spcBef>
+                    <a:spcAft>
+                      <a:spcPts val="1200"/>
+                    </a:spcAft>
+                    <a:buFont typeface="+mj-lt"/>
+                    <a:buAutoNum type="arabicPeriod"/>
+                  </a:pPr>
+                  <a:endParaRPr lang="en-US" altLang="zh-TW" sz="2800" dirty="0" smtClean="0">
+                    <a:latin typeface="微軟正黑體" panose="020B0604030504040204" pitchFamily="34" charset="-120"/>
+                    <a:ea typeface="微軟正黑體" panose="020B0604030504040204" pitchFamily="34" charset="-120"/>
+                  </a:endParaRPr>
+                </a:p>
+                <a:p>
+                  <a:pPr marL="971550" lvl="1" indent="-514350">
+                    <a:spcBef>
+                      <a:spcPts val="1200"/>
+                    </a:spcBef>
+                    <a:spcAft>
+                      <a:spcPts val="1200"/>
+                    </a:spcAft>
+                    <a:buFont typeface="+mj-lt"/>
+                    <a:buAutoNum type="arabicPeriod"/>
+                  </a:pPr>
+                  <a:endParaRPr lang="en-US" altLang="zh-TW" sz="2800" dirty="0">
+                    <a:latin typeface="微軟正黑體" panose="020B0604030504040204" pitchFamily="34" charset="-120"/>
+                    <a:ea typeface="微軟正黑體" panose="020B0604030504040204" pitchFamily="34" charset="-120"/>
+                  </a:endParaRPr>
+                </a:p>
+                <a:p>
+                  <a:pPr marL="971550" lvl="1" indent="-514350">
+                    <a:spcBef>
+                      <a:spcPts val="1200"/>
+                    </a:spcBef>
+                    <a:spcAft>
+                      <a:spcPts val="1200"/>
+                    </a:spcAft>
+                    <a:buFont typeface="+mj-lt"/>
+                    <a:buAutoNum type="arabicPeriod"/>
+                  </a:pPr>
+                  <a:endParaRPr lang="en-US" altLang="zh-TW" sz="2800" dirty="0" smtClean="0">
+                    <a:latin typeface="微軟正黑體" panose="020B0604030504040204" pitchFamily="34" charset="-120"/>
+                    <a:ea typeface="微軟正黑體" panose="020B0604030504040204" pitchFamily="34" charset="-120"/>
+                  </a:endParaRPr>
+                </a:p>
+                <a:p>
+                  <a:pPr marL="971550" lvl="1" indent="-514350">
+                    <a:spcBef>
+                      <a:spcPts val="1200"/>
+                    </a:spcBef>
+                    <a:spcAft>
+                      <a:spcPts val="1200"/>
+                    </a:spcAft>
+                    <a:buFont typeface="+mj-lt"/>
+                    <a:buAutoNum type="arabicPeriod"/>
+                  </a:pPr>
+                  <a:r>
+                    <a:rPr lang="zh-TW" altLang="en-US" sz="2800" dirty="0">
+                      <a:latin typeface="微軟正黑體" panose="020B0604030504040204" pitchFamily="34" charset="-120"/>
+                      <a:ea typeface="微軟正黑體" panose="020B0604030504040204" pitchFamily="34" charset="-120"/>
+                    </a:rPr>
+                    <a:t>產生不同影像特徵點配對數的陣列，決定以第幾張為基底</a:t>
+                  </a:r>
+                  <a:r>
+                    <a:rPr lang="en-US" altLang="zh-TW" sz="2800" dirty="0">
+                      <a:latin typeface="微軟正黑體" panose="020B0604030504040204" pitchFamily="34" charset="-120"/>
+                      <a:ea typeface="微軟正黑體" panose="020B0604030504040204" pitchFamily="34" charset="-120"/>
+                    </a:rPr>
+                    <a:t>(</a:t>
+                  </a:r>
+                  <a:r>
+                    <a:rPr lang="zh-TW" altLang="en-US" sz="2800" dirty="0">
+                      <a:latin typeface="微軟正黑體" panose="020B0604030504040204" pitchFamily="34" charset="-120"/>
+                      <a:ea typeface="微軟正黑體" panose="020B0604030504040204" pitchFamily="34" charset="-120"/>
+                    </a:rPr>
+                    <a:t>此處設為</a:t>
+                  </a:r>
+                  <a:r>
+                    <a:rPr lang="en-US" altLang="zh-TW" sz="2800" dirty="0">
+                      <a:latin typeface="微軟正黑體" panose="020B0604030504040204" pitchFamily="34" charset="-120"/>
+                      <a:ea typeface="微軟正黑體" panose="020B0604030504040204" pitchFamily="34" charset="-120"/>
+                    </a:rPr>
+                    <a:t>1)</a:t>
+                  </a:r>
+                  <a:r>
+                    <a:rPr lang="zh-TW" altLang="en-US" sz="2800" dirty="0">
+                      <a:latin typeface="微軟正黑體" panose="020B0604030504040204" pitchFamily="34" charset="-120"/>
+                      <a:ea typeface="微軟正黑體" panose="020B0604030504040204" pitchFamily="34" charset="-120"/>
+                    </a:rPr>
+                    <a:t>，並依序利用</a:t>
+                  </a:r>
+                  <a:r>
+                    <a:rPr lang="en-US" altLang="zh-TW" sz="2800" dirty="0">
+                      <a:latin typeface="微軟正黑體" panose="020B0604030504040204" pitchFamily="34" charset="-120"/>
+                      <a:ea typeface="微軟正黑體" panose="020B0604030504040204" pitchFamily="34" charset="-120"/>
+                    </a:rPr>
+                    <a:t>DP</a:t>
+                  </a:r>
+                  <a:r>
+                    <a:rPr lang="zh-TW" altLang="en-US" sz="2800" dirty="0">
+                      <a:latin typeface="微軟正黑體" panose="020B0604030504040204" pitchFamily="34" charset="-120"/>
+                      <a:ea typeface="微軟正黑體" panose="020B0604030504040204" pitchFamily="34" charset="-120"/>
+                    </a:rPr>
+                    <a:t>找出能轉至基底的路徑</a:t>
+                  </a:r>
+                  <a:endParaRPr lang="en-US" altLang="zh-TW" sz="2800" dirty="0">
+                    <a:latin typeface="微軟正黑體" panose="020B0604030504040204" pitchFamily="34" charset="-120"/>
+                    <a:ea typeface="微軟正黑體" panose="020B0604030504040204" pitchFamily="34" charset="-120"/>
+                  </a:endParaRPr>
+                </a:p>
+                <a:p>
+                  <a:pPr marL="971550" lvl="1" indent="-514350">
+                    <a:spcBef>
+                      <a:spcPts val="1200"/>
+                    </a:spcBef>
+                    <a:spcAft>
+                      <a:spcPts val="1200"/>
+                    </a:spcAft>
+                    <a:buFont typeface="+mj-lt"/>
+                    <a:buAutoNum type="arabicPeriod"/>
+                  </a:pPr>
+                  <a:endParaRPr lang="en-US" altLang="zh-TW" sz="2800" dirty="0">
+                    <a:latin typeface="微軟正黑體" panose="020B0604030504040204" pitchFamily="34" charset="-120"/>
+                    <a:ea typeface="微軟正黑體" panose="020B0604030504040204" pitchFamily="34" charset="-120"/>
+                  </a:endParaRPr>
+                </a:p>
+              </p:txBody>
+            </p:sp>
+            <p:pic>
+              <p:nvPicPr>
+                <p:cNvPr id="5" name="圖片 4"/>
+                <p:cNvPicPr>
+                  <a:picLocks noChangeAspect="1"/>
+                </p:cNvPicPr>
+                <p:nvPr/>
+              </p:nvPicPr>
+              <p:blipFill rotWithShape="1">
+                <a:blip r:embed="rId2">
+                  <a:extLst>
+                    <a:ext uri="{28A0092B-C50C-407E-A947-70E740481C1C}">
+                      <a14:useLocalDpi xmlns:a14="http://schemas.microsoft.com/office/drawing/2010/main" val="0"/>
+                    </a:ext>
+                  </a:extLst>
+                </a:blip>
+                <a:srcRect l="12728" t="17596" r="52083" b="19843"/>
+                <a:stretch/>
+              </p:blipFill>
+              <p:spPr>
+                <a:xfrm>
+                  <a:off x="2015482" y="23445825"/>
+                  <a:ext cx="3129451" cy="3953415"/>
+                </a:xfrm>
+                <a:prstGeom prst="rect">
+                  <a:avLst/>
+                </a:prstGeom>
+              </p:spPr>
+            </p:pic>
+          </p:grpSp>
+          <p:pic>
+            <p:nvPicPr>
+              <p:cNvPr id="12" name="圖片 11"/>
+              <p:cNvPicPr>
+                <a:picLocks noChangeAspect="1"/>
+              </p:cNvPicPr>
+              <p:nvPr/>
+            </p:nvPicPr>
+            <p:blipFill rotWithShape="1">
+              <a:blip r:embed="rId3">
+                <a:extLst>
+                  <a:ext uri="{28A0092B-C50C-407E-A947-70E740481C1C}">
+                    <a14:useLocalDpi xmlns:a14="http://schemas.microsoft.com/office/drawing/2010/main" val="0"/>
+                  </a:ext>
+                </a:extLst>
+              </a:blip>
+              <a:srcRect l="3075" t="10586" r="46968" b="11171"/>
+              <a:stretch/>
+            </p:blipFill>
+            <p:spPr>
+              <a:xfrm>
+                <a:off x="5581651" y="21439561"/>
+                <a:ext cx="3460750" cy="4065247"/>
+              </a:xfrm>
+              <a:prstGeom prst="rect">
+                <a:avLst/>
+              </a:prstGeom>
+            </p:spPr>
+          </p:pic>
+        </p:grpSp>
+        <p:pic>
+          <p:nvPicPr>
+            <p:cNvPr id="22" name="圖片 21"/>
+            <p:cNvPicPr>
+              <a:picLocks noChangeAspect="1"/>
+            </p:cNvPicPr>
+            <p:nvPr/>
+          </p:nvPicPr>
+          <p:blipFill>
+            <a:blip r:embed="rId4">
+              <a:extLst>
+                <a:ext uri="{28A0092B-C50C-407E-A947-70E740481C1C}">
+                  <a14:useLocalDpi xmlns:a14="http://schemas.microsoft.com/office/drawing/2010/main" val="0"/>
+                </a:ext>
+              </a:extLst>
+            </a:blip>
+            <a:stretch>
+              <a:fillRect/>
+            </a:stretch>
+          </p:blipFill>
+          <p:spPr>
+            <a:xfrm>
+              <a:off x="1969886" y="26767308"/>
+              <a:ext cx="4016943" cy="2465598"/>
+            </a:xfrm>
+            <a:prstGeom prst="rect">
+              <a:avLst/>
+            </a:prstGeom>
+          </p:spPr>
+        </p:pic>
+        <p:pic>
+          <p:nvPicPr>
+            <p:cNvPr id="23" name="圖片 22"/>
+            <p:cNvPicPr>
+              <a:picLocks noChangeAspect="1"/>
+            </p:cNvPicPr>
+            <p:nvPr/>
+          </p:nvPicPr>
+          <p:blipFill>
+            <a:blip r:embed="rId5">
+              <a:extLst>
+                <a:ext uri="{28A0092B-C50C-407E-A947-70E740481C1C}">
+                  <a14:useLocalDpi xmlns:a14="http://schemas.microsoft.com/office/drawing/2010/main" val="0"/>
+                </a:ext>
+              </a:extLst>
+            </a:blip>
+            <a:stretch>
+              <a:fillRect/>
+            </a:stretch>
+          </p:blipFill>
+          <p:spPr>
+            <a:xfrm>
+              <a:off x="6328569" y="26767308"/>
+              <a:ext cx="3939381" cy="2465598"/>
+            </a:xfrm>
+            <a:prstGeom prst="rect">
+              <a:avLst/>
+            </a:prstGeom>
+          </p:spPr>
+        </p:pic>
+      </p:grpSp>
     </p:spTree>
     <p:extLst>
       <p:ext uri="{BB962C8B-B14F-4D97-AF65-F5344CB8AC3E}">

--- a/poster/Presentation1.pptx
+++ b/poster/Presentation1.pptx
@@ -3228,14 +3228,7 @@
                 <a:latin typeface="微軟正黑體" panose="020B0604030504040204" pitchFamily="34" charset="-120"/>
                 <a:ea typeface="微軟正黑體" panose="020B0604030504040204" pitchFamily="34" charset="-120"/>
               </a:rPr>
-              <a:t>現有</a:t>
-            </a:r>
-            <a:r>
-              <a:rPr lang="zh-TW" altLang="en-US" sz="2800" dirty="0" smtClean="0">
-                <a:latin typeface="微軟正黑體" panose="020B0604030504040204" pitchFamily="34" charset="-120"/>
-                <a:ea typeface="微軟正黑體" panose="020B0604030504040204" pitchFamily="34" charset="-120"/>
-              </a:rPr>
-              <a:t>的智慧型手機文件掃描</a:t>
+              <a:t>現有的智慧型手機文件掃描</a:t>
             </a:r>
             <a:r>
               <a:rPr lang="en-US" altLang="zh-TW" sz="2800" dirty="0" smtClean="0">
@@ -3540,27 +3533,20 @@
                 <a:latin typeface="微軟正黑體" panose="020B0604030504040204" pitchFamily="34" charset="-120"/>
                 <a:ea typeface="微軟正黑體" panose="020B0604030504040204" pitchFamily="34" charset="-120"/>
               </a:rPr>
-              <a:t>(</a:t>
+              <a:t>(Homography</a:t>
+            </a:r>
+            <a:r>
+              <a:rPr lang="zh-TW" altLang="en-US" sz="2800" b="1" dirty="0" smtClean="0">
+                <a:latin typeface="微軟正黑體" panose="020B0604030504040204" pitchFamily="34" charset="-120"/>
+                <a:ea typeface="微軟正黑體" panose="020B0604030504040204" pitchFamily="34" charset="-120"/>
+              </a:rPr>
+              <a:t>，以下簡稱</a:t>
             </a:r>
             <a:r>
               <a:rPr lang="en-US" altLang="zh-TW" sz="2800" b="1" dirty="0" smtClean="0">
                 <a:latin typeface="微軟正黑體" panose="020B0604030504040204" pitchFamily="34" charset="-120"/>
                 <a:ea typeface="微軟正黑體" panose="020B0604030504040204" pitchFamily="34" charset="-120"/>
               </a:rPr>
-              <a:t>Homography</a:t>
-            </a:r>
-            <a:r>
-              <a:rPr lang="zh-TW" altLang="en-US" sz="2800" b="1" dirty="0" smtClean="0">
-                <a:latin typeface="微軟正黑體" panose="020B0604030504040204" pitchFamily="34" charset="-120"/>
-                <a:ea typeface="微軟正黑體" panose="020B0604030504040204" pitchFamily="34" charset="-120"/>
-              </a:rPr>
-              <a:t>，以下簡稱</a:t>
-            </a:r>
-            <a:r>
-              <a:rPr lang="en-US" altLang="zh-TW" sz="2800" b="1" dirty="0" smtClean="0">
-                <a:latin typeface="微軟正黑體" panose="020B0604030504040204" pitchFamily="34" charset="-120"/>
-                <a:ea typeface="微軟正黑體" panose="020B0604030504040204" pitchFamily="34" charset="-120"/>
-              </a:rPr>
               <a:t>H)</a:t>
             </a:r>
             <a:r>
@@ -3568,7 +3554,35 @@
                 <a:latin typeface="微軟正黑體" panose="020B0604030504040204" pitchFamily="34" charset="-120"/>
                 <a:ea typeface="微軟正黑體" panose="020B0604030504040204" pitchFamily="34" charset="-120"/>
               </a:rPr>
-              <a:t>，將影像轉換至同一座標並對齊。</a:t>
+              <a:t>，將</a:t>
+            </a:r>
+            <a:r>
+              <a:rPr lang="zh-TW" altLang="en-US" sz="2800" dirty="0" smtClean="0">
+                <a:latin typeface="微軟正黑體" panose="020B0604030504040204" pitchFamily="34" charset="-120"/>
+                <a:ea typeface="微軟正黑體" panose="020B0604030504040204" pitchFamily="34" charset="-120"/>
+              </a:rPr>
+              <a:t>影像</a:t>
+            </a:r>
+            <a:r>
+              <a:rPr lang="zh-TW" altLang="en-US" sz="2800" dirty="0">
+                <a:latin typeface="微軟正黑體" panose="020B0604030504040204" pitchFamily="34" charset="-120"/>
+                <a:ea typeface="微軟正黑體" panose="020B0604030504040204" pitchFamily="34" charset="-120"/>
+              </a:rPr>
+              <a:t>投影</a:t>
+            </a:r>
+            <a:r>
+              <a:rPr lang="zh-TW" altLang="en-US" sz="2800" dirty="0" smtClean="0">
+                <a:latin typeface="微軟正黑體" panose="020B0604030504040204" pitchFamily="34" charset="-120"/>
+                <a:ea typeface="微軟正黑體" panose="020B0604030504040204" pitchFamily="34" charset="-120"/>
+              </a:rPr>
+              <a:t>至</a:t>
+            </a:r>
+            <a:r>
+              <a:rPr lang="zh-TW" altLang="en-US" sz="2800" dirty="0" smtClean="0">
+                <a:latin typeface="微軟正黑體" panose="020B0604030504040204" pitchFamily="34" charset="-120"/>
+                <a:ea typeface="微軟正黑體" panose="020B0604030504040204" pitchFamily="34" charset="-120"/>
+              </a:rPr>
+              <a:t>同一座標並對齊。</a:t>
             </a:r>
             <a:endParaRPr lang="en-US" altLang="zh-TW" sz="2800" dirty="0" smtClean="0">
               <a:latin typeface="微軟正黑體" panose="020B0604030504040204" pitchFamily="34" charset="-120"/>
@@ -3690,188 +3704,6 @@
               <a:t>尋找一條路徑，該路徑上的重疊影像的差異最小，由此劃分不同區域分屬何影像，減少縫合處的不自然。</a:t>
             </a:r>
             <a:endParaRPr lang="en-US" sz="2800" dirty="0">
-              <a:latin typeface="微軟正黑體" panose="020B0604030504040204" pitchFamily="34" charset="-120"/>
-              <a:ea typeface="微軟正黑體" panose="020B0604030504040204" pitchFamily="34" charset="-120"/>
-            </a:endParaRPr>
-          </a:p>
-        </p:txBody>
-      </p:sp>
-      <p:sp>
-        <p:nvSpPr>
-          <p:cNvPr id="17" name="TextBox 8"/>
-          <p:cNvSpPr txBox="1"/>
-          <p:nvPr/>
-        </p:nvSpPr>
-        <p:spPr>
-          <a:xfrm>
-            <a:off x="10374284" y="5410788"/>
-            <a:ext cx="10631516" cy="6432530"/>
-          </a:xfrm>
-          <a:prstGeom prst="rect">
-            <a:avLst/>
-          </a:prstGeom>
-          <a:noFill/>
-        </p:spPr>
-        <p:txBody>
-          <a:bodyPr wrap="square" rtlCol="0">
-            <a:spAutoFit/>
-          </a:bodyPr>
-          <a:lstStyle/>
-          <a:p>
-            <a:pPr>
-              <a:spcBef>
-                <a:spcPts val="1200"/>
-              </a:spcBef>
-              <a:spcAft>
-                <a:spcPts val="1200"/>
-              </a:spcAft>
-            </a:pPr>
-            <a:endParaRPr lang="en-US" altLang="zh-TW" sz="4800" dirty="0">
-              <a:latin typeface="微軟正黑體" panose="020B0604030504040204" pitchFamily="34" charset="-120"/>
-              <a:ea typeface="微軟正黑體" panose="020B0604030504040204" pitchFamily="34" charset="-120"/>
-            </a:endParaRPr>
-          </a:p>
-          <a:p>
-            <a:pPr marL="971550" lvl="1" indent="-514350">
-              <a:spcBef>
-                <a:spcPts val="1200"/>
-              </a:spcBef>
-              <a:spcAft>
-                <a:spcPts val="1200"/>
-              </a:spcAft>
-              <a:buFont typeface="+mj-lt"/>
-              <a:buAutoNum type="arabicPeriod" startAt="3"/>
-            </a:pPr>
-            <a:r>
-              <a:rPr lang="zh-TW" altLang="en-US" sz="2800" dirty="0" smtClean="0">
-                <a:latin typeface="微軟正黑體" panose="020B0604030504040204" pitchFamily="34" charset="-120"/>
-                <a:ea typeface="微軟正黑體" panose="020B0604030504040204" pitchFamily="34" charset="-120"/>
-              </a:rPr>
-              <a:t>產生路徑上各節點間之座標轉換矩陣</a:t>
-            </a:r>
-            <a:r>
-              <a:rPr lang="en-US" altLang="zh-TW" sz="2800" dirty="0" smtClean="0">
-                <a:latin typeface="微軟正黑體" panose="020B0604030504040204" pitchFamily="34" charset="-120"/>
-                <a:ea typeface="微軟正黑體" panose="020B0604030504040204" pitchFamily="34" charset="-120"/>
-              </a:rPr>
-              <a:t>(H)</a:t>
-            </a:r>
-            <a:r>
-              <a:rPr lang="zh-TW" altLang="en-US" sz="2800" dirty="0" smtClean="0">
-                <a:latin typeface="微軟正黑體" panose="020B0604030504040204" pitchFamily="34" charset="-120"/>
-                <a:ea typeface="微軟正黑體" panose="020B0604030504040204" pitchFamily="34" charset="-120"/>
-              </a:rPr>
-              <a:t>，由路徑最短至最長產生</a:t>
-            </a:r>
-            <a:r>
-              <a:rPr lang="en-US" altLang="zh-TW" sz="2800" dirty="0" smtClean="0">
-                <a:latin typeface="微軟正黑體" panose="020B0604030504040204" pitchFamily="34" charset="-120"/>
-                <a:ea typeface="微軟正黑體" panose="020B0604030504040204" pitchFamily="34" charset="-120"/>
-              </a:rPr>
-              <a:t>H</a:t>
-            </a:r>
-            <a:r>
-              <a:rPr lang="zh-TW" altLang="en-US" sz="2800" dirty="0" smtClean="0">
-                <a:latin typeface="微軟正黑體" panose="020B0604030504040204" pitchFamily="34" charset="-120"/>
-                <a:ea typeface="微軟正黑體" panose="020B0604030504040204" pitchFamily="34" charset="-120"/>
-              </a:rPr>
-              <a:t>，並存入一二維陣列。</a:t>
-            </a:r>
-            <a:endParaRPr lang="en-US" altLang="zh-TW" sz="2800" dirty="0" smtClean="0">
-              <a:latin typeface="微軟正黑體" panose="020B0604030504040204" pitchFamily="34" charset="-120"/>
-              <a:ea typeface="微軟正黑體" panose="020B0604030504040204" pitchFamily="34" charset="-120"/>
-            </a:endParaRPr>
-          </a:p>
-          <a:p>
-            <a:pPr marL="971550" lvl="1" indent="-514350">
-              <a:spcBef>
-                <a:spcPts val="1200"/>
-              </a:spcBef>
-              <a:spcAft>
-                <a:spcPts val="1200"/>
-              </a:spcAft>
-              <a:buFont typeface="+mj-lt"/>
-              <a:buAutoNum type="arabicPeriod" startAt="3"/>
-            </a:pPr>
-            <a:endParaRPr lang="en-US" altLang="zh-TW" sz="2800" dirty="0" smtClean="0">
-              <a:latin typeface="微軟正黑體" panose="020B0604030504040204" pitchFamily="34" charset="-120"/>
-              <a:ea typeface="微軟正黑體" panose="020B0604030504040204" pitchFamily="34" charset="-120"/>
-            </a:endParaRPr>
-          </a:p>
-          <a:p>
-            <a:pPr marL="971550" lvl="1" indent="-514350">
-              <a:spcBef>
-                <a:spcPts val="1200"/>
-              </a:spcBef>
-              <a:spcAft>
-                <a:spcPts val="1200"/>
-              </a:spcAft>
-              <a:buFont typeface="+mj-lt"/>
-              <a:buAutoNum type="arabicPeriod" startAt="3"/>
-            </a:pPr>
-            <a:endParaRPr lang="en-US" altLang="zh-TW" sz="2800" dirty="0">
-              <a:latin typeface="微軟正黑體" panose="020B0604030504040204" pitchFamily="34" charset="-120"/>
-              <a:ea typeface="微軟正黑體" panose="020B0604030504040204" pitchFamily="34" charset="-120"/>
-            </a:endParaRPr>
-          </a:p>
-          <a:p>
-            <a:pPr marL="971550" lvl="1" indent="-514350">
-              <a:spcBef>
-                <a:spcPts val="1200"/>
-              </a:spcBef>
-              <a:spcAft>
-                <a:spcPts val="1200"/>
-              </a:spcAft>
-              <a:buFont typeface="+mj-lt"/>
-              <a:buAutoNum type="arabicPeriod" startAt="3"/>
-            </a:pPr>
-            <a:endParaRPr lang="en-US" altLang="zh-TW" sz="2800" dirty="0" smtClean="0">
-              <a:latin typeface="微軟正黑體" panose="020B0604030504040204" pitchFamily="34" charset="-120"/>
-              <a:ea typeface="微軟正黑體" panose="020B0604030504040204" pitchFamily="34" charset="-120"/>
-            </a:endParaRPr>
-          </a:p>
-          <a:p>
-            <a:pPr lvl="1">
-              <a:spcBef>
-                <a:spcPts val="1200"/>
-              </a:spcBef>
-              <a:spcAft>
-                <a:spcPts val="1200"/>
-              </a:spcAft>
-            </a:pPr>
-            <a:endParaRPr lang="en-US" altLang="zh-TW" sz="2800" dirty="0">
-              <a:latin typeface="微軟正黑體" panose="020B0604030504040204" pitchFamily="34" charset="-120"/>
-              <a:ea typeface="微軟正黑體" panose="020B0604030504040204" pitchFamily="34" charset="-120"/>
-            </a:endParaRPr>
-          </a:p>
-          <a:p>
-            <a:pPr marL="514350" indent="-514350">
-              <a:spcBef>
-                <a:spcPts val="1200"/>
-              </a:spcBef>
-              <a:spcAft>
-                <a:spcPts val="1200"/>
-              </a:spcAft>
-              <a:buFont typeface="+mj-lt"/>
-              <a:buAutoNum type="arabicPeriod" startAt="3"/>
-            </a:pPr>
-            <a:endParaRPr lang="en-US" altLang="zh-TW" sz="2800" dirty="0" smtClean="0">
-              <a:latin typeface="微軟正黑體" panose="020B0604030504040204" pitchFamily="34" charset="-120"/>
-              <a:ea typeface="微軟正黑體" panose="020B0604030504040204" pitchFamily="34" charset="-120"/>
-            </a:endParaRPr>
-          </a:p>
-          <a:p>
-            <a:pPr marL="914400" lvl="1" indent="-457200">
-              <a:spcBef>
-                <a:spcPts val="1200"/>
-              </a:spcBef>
-              <a:spcAft>
-                <a:spcPts val="1200"/>
-              </a:spcAft>
-              <a:buFont typeface="Arial" panose="020B0604020202020204" pitchFamily="34" charset="0"/>
-              <a:buChar char="•"/>
-            </a:pPr>
-            <a:endParaRPr lang="en-US" altLang="zh-TW" sz="2800" dirty="0" smtClean="0">
               <a:latin typeface="微軟正黑體" panose="020B0604030504040204" pitchFamily="34" charset="-120"/>
               <a:ea typeface="微軟正黑體" panose="020B0604030504040204" pitchFamily="34" charset="-120"/>
             </a:endParaRPr>
@@ -3962,14 +3794,7 @@
                       <a:latin typeface="微軟正黑體" panose="020B0604030504040204" pitchFamily="34" charset="-120"/>
                       <a:ea typeface="微軟正黑體" panose="020B0604030504040204" pitchFamily="34" charset="-120"/>
                     </a:rPr>
-                    <a:t>、</a:t>
-                  </a:r>
-                  <a:r>
-                    <a:rPr lang="zh-TW" altLang="en-US" sz="4800" b="1" dirty="0" smtClean="0">
-                      <a:latin typeface="微軟正黑體" panose="020B0604030504040204" pitchFamily="34" charset="-120"/>
-                      <a:ea typeface="微軟正黑體" panose="020B0604030504040204" pitchFamily="34" charset="-120"/>
-                    </a:rPr>
-                    <a:t>實作方法</a:t>
+                    <a:t>、實作方法</a:t>
                   </a:r>
                   <a:endParaRPr lang="en-US" altLang="zh-TW" sz="4800" b="1" dirty="0" smtClean="0">
                     <a:latin typeface="微軟正黑體" panose="020B0604030504040204" pitchFamily="34" charset="-120"/>
@@ -3992,14 +3817,7 @@
                       <a:latin typeface="微軟正黑體" panose="020B0604030504040204" pitchFamily="34" charset="-120"/>
                       <a:ea typeface="微軟正黑體" panose="020B0604030504040204" pitchFamily="34" charset="-120"/>
                     </a:rPr>
-                    <a:t>對一文件拍攝四張</a:t>
-                  </a:r>
-                  <a:r>
-                    <a:rPr lang="zh-TW" altLang="en-US" sz="2800" dirty="0" smtClean="0">
-                      <a:latin typeface="微軟正黑體" panose="020B0604030504040204" pitchFamily="34" charset="-120"/>
-                      <a:ea typeface="微軟正黑體" panose="020B0604030504040204" pitchFamily="34" charset="-120"/>
-                    </a:rPr>
-                    <a:t>圖片，分別</a:t>
+                    <a:t>對一文件拍攝四張圖片，分別</a:t>
                   </a:r>
                   <a:r>
                     <a:rPr lang="zh-TW" altLang="en-US" sz="2800" dirty="0">
@@ -4325,6 +4143,372 @@
           </p:spPr>
         </p:pic>
       </p:grpSp>
+      <p:grpSp>
+        <p:nvGrpSpPr>
+          <p:cNvPr id="15" name="群組 14"/>
+          <p:cNvGrpSpPr/>
+          <p:nvPr/>
+        </p:nvGrpSpPr>
+        <p:grpSpPr>
+          <a:xfrm>
+            <a:off x="10374284" y="5410788"/>
+            <a:ext cx="10631516" cy="8032968"/>
+            <a:chOff x="10374284" y="5410788"/>
+            <a:chExt cx="10631516" cy="8032968"/>
+          </a:xfrm>
+        </p:grpSpPr>
+        <p:sp>
+          <p:nvSpPr>
+            <p:cNvPr id="17" name="TextBox 8"/>
+            <p:cNvSpPr txBox="1"/>
+            <p:nvPr/>
+          </p:nvSpPr>
+          <p:spPr>
+            <a:xfrm>
+              <a:off x="10374284" y="5410788"/>
+              <a:ext cx="10631516" cy="8032968"/>
+            </a:xfrm>
+            <a:prstGeom prst="rect">
+              <a:avLst/>
+            </a:prstGeom>
+            <a:noFill/>
+          </p:spPr>
+          <p:txBody>
+            <a:bodyPr wrap="square" rtlCol="0">
+              <a:spAutoFit/>
+            </a:bodyPr>
+            <a:lstStyle/>
+            <a:p>
+              <a:pPr>
+                <a:spcBef>
+                  <a:spcPts val="1200"/>
+                </a:spcBef>
+                <a:spcAft>
+                  <a:spcPts val="1200"/>
+                </a:spcAft>
+              </a:pPr>
+              <a:endParaRPr lang="en-US" altLang="zh-TW" sz="4800" dirty="0">
+                <a:latin typeface="微軟正黑體" panose="020B0604030504040204" pitchFamily="34" charset="-120"/>
+                <a:ea typeface="微軟正黑體" panose="020B0604030504040204" pitchFamily="34" charset="-120"/>
+              </a:endParaRPr>
+            </a:p>
+            <a:p>
+              <a:pPr marL="971550" lvl="1" indent="-514350">
+                <a:spcBef>
+                  <a:spcPts val="1200"/>
+                </a:spcBef>
+                <a:spcAft>
+                  <a:spcPts val="1200"/>
+                </a:spcAft>
+                <a:buFont typeface="+mj-lt"/>
+                <a:buAutoNum type="arabicPeriod" startAt="3"/>
+              </a:pPr>
+              <a:r>
+                <a:rPr lang="zh-TW" altLang="en-US" sz="2800" dirty="0" smtClean="0">
+                  <a:latin typeface="微軟正黑體" panose="020B0604030504040204" pitchFamily="34" charset="-120"/>
+                  <a:ea typeface="微軟正黑體" panose="020B0604030504040204" pitchFamily="34" charset="-120"/>
+                </a:rPr>
+                <a:t>產生路徑上各節點間之座標轉換矩陣</a:t>
+              </a:r>
+              <a:r>
+                <a:rPr lang="en-US" altLang="zh-TW" sz="2800" dirty="0" smtClean="0">
+                  <a:latin typeface="微軟正黑體" panose="020B0604030504040204" pitchFamily="34" charset="-120"/>
+                  <a:ea typeface="微軟正黑體" panose="020B0604030504040204" pitchFamily="34" charset="-120"/>
+                </a:rPr>
+                <a:t>(H)</a:t>
+              </a:r>
+              <a:r>
+                <a:rPr lang="zh-TW" altLang="en-US" sz="2800" dirty="0" smtClean="0">
+                  <a:latin typeface="微軟正黑體" panose="020B0604030504040204" pitchFamily="34" charset="-120"/>
+                  <a:ea typeface="微軟正黑體" panose="020B0604030504040204" pitchFamily="34" charset="-120"/>
+                </a:rPr>
+                <a:t>，由路徑最短至最長產生</a:t>
+              </a:r>
+              <a:r>
+                <a:rPr lang="en-US" altLang="zh-TW" sz="2800" dirty="0" smtClean="0">
+                  <a:latin typeface="微軟正黑體" panose="020B0604030504040204" pitchFamily="34" charset="-120"/>
+                  <a:ea typeface="微軟正黑體" panose="020B0604030504040204" pitchFamily="34" charset="-120"/>
+                </a:rPr>
+                <a:t>H</a:t>
+              </a:r>
+              <a:r>
+                <a:rPr lang="zh-TW" altLang="en-US" sz="2800" dirty="0" smtClean="0">
+                  <a:latin typeface="微軟正黑體" panose="020B0604030504040204" pitchFamily="34" charset="-120"/>
+                  <a:ea typeface="微軟正黑體" panose="020B0604030504040204" pitchFamily="34" charset="-120"/>
+                </a:rPr>
+                <a:t>，並存入一二維陣列。</a:t>
+              </a:r>
+              <a:endParaRPr lang="en-US" altLang="zh-TW" sz="2800" dirty="0" smtClean="0">
+                <a:latin typeface="微軟正黑體" panose="020B0604030504040204" pitchFamily="34" charset="-120"/>
+                <a:ea typeface="微軟正黑體" panose="020B0604030504040204" pitchFamily="34" charset="-120"/>
+              </a:endParaRPr>
+            </a:p>
+            <a:p>
+              <a:pPr marL="971550" lvl="1" indent="-514350">
+                <a:spcBef>
+                  <a:spcPts val="1200"/>
+                </a:spcBef>
+                <a:spcAft>
+                  <a:spcPts val="1200"/>
+                </a:spcAft>
+                <a:buFont typeface="+mj-lt"/>
+                <a:buAutoNum type="arabicPeriod" startAt="3"/>
+              </a:pPr>
+              <a:r>
+                <a:rPr lang="zh-TW" altLang="en-US" sz="2800" dirty="0" smtClean="0">
+                  <a:latin typeface="微軟正黑體" panose="020B0604030504040204" pitchFamily="34" charset="-120"/>
+                  <a:ea typeface="微軟正黑體" panose="020B0604030504040204" pitchFamily="34" charset="-120"/>
+                </a:rPr>
+                <a:t>影像先各自乘上轉至基底的</a:t>
+              </a:r>
+              <a:r>
+                <a:rPr lang="en-US" altLang="zh-TW" sz="2800" dirty="0" smtClean="0">
+                  <a:latin typeface="微軟正黑體" panose="020B0604030504040204" pitchFamily="34" charset="-120"/>
+                  <a:ea typeface="微軟正黑體" panose="020B0604030504040204" pitchFamily="34" charset="-120"/>
+                </a:rPr>
+                <a:t>H</a:t>
+              </a:r>
+              <a:r>
+                <a:rPr lang="zh-TW" altLang="en-US" sz="2800" dirty="0" smtClean="0">
+                  <a:latin typeface="微軟正黑體" panose="020B0604030504040204" pitchFamily="34" charset="-120"/>
+                  <a:ea typeface="微軟正黑體" panose="020B0604030504040204" pitchFamily="34" charset="-120"/>
+                </a:rPr>
+                <a:t>，求出新座標下影像座標的極值後，再根據極值調整各自的</a:t>
+              </a:r>
+              <a:r>
+                <a:rPr lang="en-US" altLang="zh-TW" sz="2800" dirty="0" smtClean="0">
+                  <a:latin typeface="微軟正黑體" panose="020B0604030504040204" pitchFamily="34" charset="-120"/>
+                  <a:ea typeface="微軟正黑體" panose="020B0604030504040204" pitchFamily="34" charset="-120"/>
+                </a:rPr>
+                <a:t>H</a:t>
+              </a:r>
+              <a:r>
+                <a:rPr lang="zh-TW" altLang="en-US" sz="2800" dirty="0" smtClean="0">
+                  <a:latin typeface="微軟正黑體" panose="020B0604030504040204" pitchFamily="34" charset="-120"/>
+                  <a:ea typeface="微軟正黑體" panose="020B0604030504040204" pitchFamily="34" charset="-120"/>
+                </a:rPr>
+                <a:t>，最後將各影像投影至同一座標。</a:t>
+              </a:r>
+              <a:endParaRPr lang="en-US" altLang="zh-TW" sz="2800" dirty="0" smtClean="0">
+                <a:latin typeface="微軟正黑體" panose="020B0604030504040204" pitchFamily="34" charset="-120"/>
+                <a:ea typeface="微軟正黑體" panose="020B0604030504040204" pitchFamily="34" charset="-120"/>
+              </a:endParaRPr>
+            </a:p>
+            <a:p>
+              <a:pPr marL="971550" lvl="1" indent="-514350">
+                <a:spcBef>
+                  <a:spcPts val="1200"/>
+                </a:spcBef>
+                <a:spcAft>
+                  <a:spcPts val="1200"/>
+                </a:spcAft>
+                <a:buFont typeface="+mj-lt"/>
+                <a:buAutoNum type="arabicPeriod" startAt="3"/>
+              </a:pPr>
+              <a:endParaRPr lang="en-US" altLang="zh-TW" sz="2800" dirty="0">
+                <a:latin typeface="微軟正黑體" panose="020B0604030504040204" pitchFamily="34" charset="-120"/>
+                <a:ea typeface="微軟正黑體" panose="020B0604030504040204" pitchFamily="34" charset="-120"/>
+              </a:endParaRPr>
+            </a:p>
+            <a:p>
+              <a:pPr marL="971550" lvl="1" indent="-514350">
+                <a:spcBef>
+                  <a:spcPts val="1200"/>
+                </a:spcBef>
+                <a:spcAft>
+                  <a:spcPts val="1200"/>
+                </a:spcAft>
+                <a:buFont typeface="+mj-lt"/>
+                <a:buAutoNum type="arabicPeriod" startAt="3"/>
+              </a:pPr>
+              <a:endParaRPr lang="en-US" altLang="zh-TW" sz="2800" dirty="0" smtClean="0">
+                <a:latin typeface="微軟正黑體" panose="020B0604030504040204" pitchFamily="34" charset="-120"/>
+                <a:ea typeface="微軟正黑體" panose="020B0604030504040204" pitchFamily="34" charset="-120"/>
+              </a:endParaRPr>
+            </a:p>
+            <a:p>
+              <a:pPr marL="971550" lvl="1" indent="-514350">
+                <a:spcBef>
+                  <a:spcPts val="1200"/>
+                </a:spcBef>
+                <a:spcAft>
+                  <a:spcPts val="1200"/>
+                </a:spcAft>
+                <a:buFont typeface="+mj-lt"/>
+                <a:buAutoNum type="arabicPeriod" startAt="3"/>
+              </a:pPr>
+              <a:endParaRPr lang="en-US" altLang="zh-TW" sz="2800" dirty="0">
+                <a:latin typeface="微軟正黑體" panose="020B0604030504040204" pitchFamily="34" charset="-120"/>
+                <a:ea typeface="微軟正黑體" panose="020B0604030504040204" pitchFamily="34" charset="-120"/>
+              </a:endParaRPr>
+            </a:p>
+            <a:p>
+              <a:pPr marL="971550" lvl="1" indent="-514350">
+                <a:spcBef>
+                  <a:spcPts val="1200"/>
+                </a:spcBef>
+                <a:spcAft>
+                  <a:spcPts val="1200"/>
+                </a:spcAft>
+                <a:buFont typeface="+mj-lt"/>
+                <a:buAutoNum type="arabicPeriod" startAt="3"/>
+              </a:pPr>
+              <a:endParaRPr lang="en-US" altLang="zh-TW" sz="2800" dirty="0" smtClean="0">
+                <a:latin typeface="微軟正黑體" panose="020B0604030504040204" pitchFamily="34" charset="-120"/>
+                <a:ea typeface="微軟正黑體" panose="020B0604030504040204" pitchFamily="34" charset="-120"/>
+              </a:endParaRPr>
+            </a:p>
+            <a:p>
+              <a:pPr marL="971550" lvl="1" indent="-514350">
+                <a:spcBef>
+                  <a:spcPts val="1200"/>
+                </a:spcBef>
+                <a:spcAft>
+                  <a:spcPts val="1200"/>
+                </a:spcAft>
+                <a:buFont typeface="+mj-lt"/>
+                <a:buAutoNum type="arabicPeriod" startAt="3"/>
+              </a:pPr>
+              <a:endParaRPr lang="en-US" altLang="zh-TW" sz="2800" dirty="0">
+                <a:latin typeface="微軟正黑體" panose="020B0604030504040204" pitchFamily="34" charset="-120"/>
+                <a:ea typeface="微軟正黑體" panose="020B0604030504040204" pitchFamily="34" charset="-120"/>
+              </a:endParaRPr>
+            </a:p>
+            <a:p>
+              <a:pPr marL="971550" lvl="1" indent="-514350">
+                <a:spcBef>
+                  <a:spcPts val="1200"/>
+                </a:spcBef>
+                <a:spcAft>
+                  <a:spcPts val="1200"/>
+                </a:spcAft>
+                <a:buFont typeface="+mj-lt"/>
+                <a:buAutoNum type="arabicPeriod" startAt="3"/>
+              </a:pPr>
+              <a:endParaRPr lang="en-US" altLang="zh-TW" sz="2800" dirty="0" smtClean="0">
+                <a:latin typeface="微軟正黑體" panose="020B0604030504040204" pitchFamily="34" charset="-120"/>
+                <a:ea typeface="微軟正黑體" panose="020B0604030504040204" pitchFamily="34" charset="-120"/>
+              </a:endParaRPr>
+            </a:p>
+          </p:txBody>
+        </p:sp>
+        <p:pic>
+          <p:nvPicPr>
+            <p:cNvPr id="2" name="圖片 1"/>
+            <p:cNvPicPr>
+              <a:picLocks noChangeAspect="1"/>
+            </p:cNvPicPr>
+            <p:nvPr/>
+          </p:nvPicPr>
+          <p:blipFill rotWithShape="1">
+            <a:blip r:embed="rId6">
+              <a:extLst>
+                <a:ext uri="{28A0092B-C50C-407E-A947-70E740481C1C}">
+                  <a14:useLocalDpi xmlns:a14="http://schemas.microsoft.com/office/drawing/2010/main" val="0"/>
+                </a:ext>
+              </a:extLst>
+            </a:blip>
+            <a:srcRect l="56605" t="18340" r="7053" b="18368"/>
+            <a:stretch/>
+          </p:blipFill>
+          <p:spPr>
+            <a:xfrm>
+              <a:off x="11167328" y="8940457"/>
+              <a:ext cx="2384017" cy="3114011"/>
+            </a:xfrm>
+            <a:prstGeom prst="rect">
+              <a:avLst/>
+            </a:prstGeom>
+          </p:spPr>
+        </p:pic>
+        <p:pic>
+          <p:nvPicPr>
+            <p:cNvPr id="3" name="圖片 2"/>
+            <p:cNvPicPr>
+              <a:picLocks noChangeAspect="1"/>
+            </p:cNvPicPr>
+            <p:nvPr/>
+          </p:nvPicPr>
+          <p:blipFill rotWithShape="1">
+            <a:blip r:embed="rId7">
+              <a:extLst>
+                <a:ext uri="{28A0092B-C50C-407E-A947-70E740481C1C}">
+                  <a14:useLocalDpi xmlns:a14="http://schemas.microsoft.com/office/drawing/2010/main" val="0"/>
+                </a:ext>
+              </a:extLst>
+            </a:blip>
+            <a:srcRect l="56621" t="18347" r="6947" b="18934"/>
+            <a:stretch/>
+          </p:blipFill>
+          <p:spPr>
+            <a:xfrm>
+              <a:off x="13463785" y="8929307"/>
+              <a:ext cx="2420375" cy="3125162"/>
+            </a:xfrm>
+            <a:prstGeom prst="rect">
+              <a:avLst/>
+            </a:prstGeom>
+          </p:spPr>
+        </p:pic>
+        <p:pic>
+          <p:nvPicPr>
+            <p:cNvPr id="10" name="圖片 9"/>
+            <p:cNvPicPr>
+              <a:picLocks noChangeAspect="1"/>
+            </p:cNvPicPr>
+            <p:nvPr/>
+          </p:nvPicPr>
+          <p:blipFill rotWithShape="1">
+            <a:blip r:embed="rId8">
+              <a:extLst>
+                <a:ext uri="{28A0092B-C50C-407E-A947-70E740481C1C}">
+                  <a14:useLocalDpi xmlns:a14="http://schemas.microsoft.com/office/drawing/2010/main" val="0"/>
+                </a:ext>
+              </a:extLst>
+            </a:blip>
+            <a:srcRect l="56701" t="18674" r="6431" b="18477"/>
+            <a:stretch/>
+          </p:blipFill>
+          <p:spPr>
+            <a:xfrm>
+              <a:off x="15884161" y="8929305"/>
+              <a:ext cx="2444280" cy="3125163"/>
+            </a:xfrm>
+            <a:prstGeom prst="rect">
+              <a:avLst/>
+            </a:prstGeom>
+          </p:spPr>
+        </p:pic>
+        <p:pic>
+          <p:nvPicPr>
+            <p:cNvPr id="14" name="圖片 13"/>
+            <p:cNvPicPr>
+              <a:picLocks noChangeAspect="1"/>
+            </p:cNvPicPr>
+            <p:nvPr/>
+          </p:nvPicPr>
+          <p:blipFill rotWithShape="1">
+            <a:blip r:embed="rId9">
+              <a:extLst>
+                <a:ext uri="{28A0092B-C50C-407E-A947-70E740481C1C}">
+                  <a14:useLocalDpi xmlns:a14="http://schemas.microsoft.com/office/drawing/2010/main" val="0"/>
+                </a:ext>
+              </a:extLst>
+            </a:blip>
+            <a:srcRect l="56873" t="19272" r="6696" b="18528"/>
+            <a:stretch/>
+          </p:blipFill>
+          <p:spPr>
+            <a:xfrm>
+              <a:off x="18304535" y="8929304"/>
+              <a:ext cx="2440612" cy="3125163"/>
+            </a:xfrm>
+            <a:prstGeom prst="rect">
+              <a:avLst/>
+            </a:prstGeom>
+          </p:spPr>
+        </p:pic>
+      </p:grpSp>
     </p:spTree>
     <p:extLst>
       <p:ext uri="{BB962C8B-B14F-4D97-AF65-F5344CB8AC3E}">

--- a/poster/Presentation1.pptx
+++ b/poster/Presentation1.pptx
@@ -3554,35 +3554,21 @@
                 <a:latin typeface="微軟正黑體" panose="020B0604030504040204" pitchFamily="34" charset="-120"/>
                 <a:ea typeface="微軟正黑體" panose="020B0604030504040204" pitchFamily="34" charset="-120"/>
               </a:rPr>
-              <a:t>，將</a:t>
+              <a:t>，將影像</a:t>
+            </a:r>
+            <a:r>
+              <a:rPr lang="zh-TW" altLang="en-US" sz="2800" dirty="0">
+                <a:latin typeface="微軟正黑體" panose="020B0604030504040204" pitchFamily="34" charset="-120"/>
+                <a:ea typeface="微軟正黑體" panose="020B0604030504040204" pitchFamily="34" charset="-120"/>
+              </a:rPr>
+              <a:t>投影</a:t>
             </a:r>
             <a:r>
               <a:rPr lang="zh-TW" altLang="en-US" sz="2800" dirty="0" smtClean="0">
                 <a:latin typeface="微軟正黑體" panose="020B0604030504040204" pitchFamily="34" charset="-120"/>
                 <a:ea typeface="微軟正黑體" panose="020B0604030504040204" pitchFamily="34" charset="-120"/>
               </a:rPr>
-              <a:t>影像</a:t>
-            </a:r>
-            <a:r>
-              <a:rPr lang="zh-TW" altLang="en-US" sz="2800" dirty="0">
-                <a:latin typeface="微軟正黑體" panose="020B0604030504040204" pitchFamily="34" charset="-120"/>
-                <a:ea typeface="微軟正黑體" panose="020B0604030504040204" pitchFamily="34" charset="-120"/>
-              </a:rPr>
-              <a:t>投影</a:t>
-            </a:r>
-            <a:r>
-              <a:rPr lang="zh-TW" altLang="en-US" sz="2800" dirty="0" smtClean="0">
-                <a:latin typeface="微軟正黑體" panose="020B0604030504040204" pitchFamily="34" charset="-120"/>
-                <a:ea typeface="微軟正黑體" panose="020B0604030504040204" pitchFamily="34" charset="-120"/>
-              </a:rPr>
-              <a:t>至</a:t>
-            </a:r>
-            <a:r>
-              <a:rPr lang="zh-TW" altLang="en-US" sz="2800" dirty="0" smtClean="0">
-                <a:latin typeface="微軟正黑體" panose="020B0604030504040204" pitchFamily="34" charset="-120"/>
-                <a:ea typeface="微軟正黑體" panose="020B0604030504040204" pitchFamily="34" charset="-120"/>
-              </a:rPr>
-              <a:t>同一座標並對齊。</a:t>
+              <a:t>至同一座標並對齊。</a:t>
             </a:r>
             <a:endParaRPr lang="en-US" altLang="zh-TW" sz="2800" dirty="0" smtClean="0">
               <a:latin typeface="微軟正黑體" panose="020B0604030504040204" pitchFamily="34" charset="-120"/>
@@ -4145,369 +4131,904 @@
       </p:grpSp>
       <p:grpSp>
         <p:nvGrpSpPr>
-          <p:cNvPr id="15" name="群組 14"/>
+          <p:cNvPr id="30" name="群組 29"/>
           <p:cNvGrpSpPr/>
           <p:nvPr/>
         </p:nvGrpSpPr>
         <p:grpSpPr>
           <a:xfrm>
             <a:off x="10374284" y="5410788"/>
-            <a:ext cx="10631516" cy="8032968"/>
+            <a:ext cx="10631516" cy="18497371"/>
             <a:chOff x="10374284" y="5410788"/>
-            <a:chExt cx="10631516" cy="8032968"/>
+            <a:chExt cx="10631516" cy="18497371"/>
           </a:xfrm>
         </p:grpSpPr>
-        <p:sp>
-          <p:nvSpPr>
-            <p:cNvPr id="17" name="TextBox 8"/>
-            <p:cNvSpPr txBox="1"/>
+        <p:grpSp>
+          <p:nvGrpSpPr>
+            <p:cNvPr id="15" name="群組 14"/>
+            <p:cNvGrpSpPr/>
             <p:nvPr/>
-          </p:nvSpPr>
-          <p:spPr>
+          </p:nvGrpSpPr>
+          <p:grpSpPr>
             <a:xfrm>
               <a:off x="10374284" y="5410788"/>
-              <a:ext cx="10631516" cy="8032968"/>
+              <a:ext cx="10631516" cy="18497371"/>
+              <a:chOff x="10374284" y="5410788"/>
+              <a:chExt cx="10631516" cy="18497371"/>
             </a:xfrm>
-            <a:prstGeom prst="rect">
-              <a:avLst/>
-            </a:prstGeom>
-            <a:noFill/>
-          </p:spPr>
-          <p:txBody>
-            <a:bodyPr wrap="square" rtlCol="0">
-              <a:spAutoFit/>
-            </a:bodyPr>
-            <a:lstStyle/>
-            <a:p>
-              <a:pPr>
-                <a:spcBef>
-                  <a:spcPts val="1200"/>
-                </a:spcBef>
-                <a:spcAft>
-                  <a:spcPts val="1200"/>
-                </a:spcAft>
-              </a:pPr>
-              <a:endParaRPr lang="en-US" altLang="zh-TW" sz="4800" dirty="0">
-                <a:latin typeface="微軟正黑體" panose="020B0604030504040204" pitchFamily="34" charset="-120"/>
-                <a:ea typeface="微軟正黑體" panose="020B0604030504040204" pitchFamily="34" charset="-120"/>
-              </a:endParaRPr>
-            </a:p>
-            <a:p>
-              <a:pPr marL="971550" lvl="1" indent="-514350">
-                <a:spcBef>
-                  <a:spcPts val="1200"/>
-                </a:spcBef>
-                <a:spcAft>
-                  <a:spcPts val="1200"/>
-                </a:spcAft>
-                <a:buFont typeface="+mj-lt"/>
-                <a:buAutoNum type="arabicPeriod" startAt="3"/>
-              </a:pPr>
-              <a:r>
-                <a:rPr lang="zh-TW" altLang="en-US" sz="2800" dirty="0" smtClean="0">
+          </p:grpSpPr>
+          <p:sp>
+            <p:nvSpPr>
+              <p:cNvPr id="17" name="TextBox 8"/>
+              <p:cNvSpPr txBox="1"/>
+              <p:nvPr/>
+            </p:nvSpPr>
+            <p:spPr>
+              <a:xfrm>
+                <a:off x="10374284" y="5410788"/>
+                <a:ext cx="10631516" cy="18497371"/>
+              </a:xfrm>
+              <a:prstGeom prst="rect">
+                <a:avLst/>
+              </a:prstGeom>
+              <a:noFill/>
+            </p:spPr>
+            <p:txBody>
+              <a:bodyPr wrap="square" rtlCol="0">
+                <a:spAutoFit/>
+              </a:bodyPr>
+              <a:lstStyle/>
+              <a:p>
+                <a:pPr>
+                  <a:spcBef>
+                    <a:spcPts val="1200"/>
+                  </a:spcBef>
+                  <a:spcAft>
+                    <a:spcPts val="1200"/>
+                  </a:spcAft>
+                </a:pPr>
+                <a:endParaRPr lang="en-US" altLang="zh-TW" sz="4800" dirty="0">
                   <a:latin typeface="微軟正黑體" panose="020B0604030504040204" pitchFamily="34" charset="-120"/>
                   <a:ea typeface="微軟正黑體" panose="020B0604030504040204" pitchFamily="34" charset="-120"/>
-                </a:rPr>
-                <a:t>產生路徑上各節點間之座標轉換矩陣</a:t>
-              </a:r>
-              <a:r>
-                <a:rPr lang="en-US" altLang="zh-TW" sz="2800" dirty="0" smtClean="0">
+                </a:endParaRPr>
+              </a:p>
+              <a:p>
+                <a:pPr marL="971550" lvl="1" indent="-514350">
+                  <a:spcBef>
+                    <a:spcPts val="1200"/>
+                  </a:spcBef>
+                  <a:spcAft>
+                    <a:spcPts val="1200"/>
+                  </a:spcAft>
+                  <a:buFont typeface="+mj-lt"/>
+                  <a:buAutoNum type="arabicPeriod" startAt="3"/>
+                </a:pPr>
+                <a:r>
+                  <a:rPr lang="zh-TW" altLang="en-US" sz="2800" dirty="0" smtClean="0">
+                    <a:latin typeface="微軟正黑體" panose="020B0604030504040204" pitchFamily="34" charset="-120"/>
+                    <a:ea typeface="微軟正黑體" panose="020B0604030504040204" pitchFamily="34" charset="-120"/>
+                  </a:rPr>
+                  <a:t>產生路徑上各節點間之座標轉換矩陣</a:t>
+                </a:r>
+                <a:r>
+                  <a:rPr lang="en-US" altLang="zh-TW" sz="2800" dirty="0" smtClean="0">
+                    <a:latin typeface="微軟正黑體" panose="020B0604030504040204" pitchFamily="34" charset="-120"/>
+                    <a:ea typeface="微軟正黑體" panose="020B0604030504040204" pitchFamily="34" charset="-120"/>
+                  </a:rPr>
+                  <a:t>(H)</a:t>
+                </a:r>
+                <a:r>
+                  <a:rPr lang="zh-TW" altLang="en-US" sz="2800" dirty="0" smtClean="0">
+                    <a:latin typeface="微軟正黑體" panose="020B0604030504040204" pitchFamily="34" charset="-120"/>
+                    <a:ea typeface="微軟正黑體" panose="020B0604030504040204" pitchFamily="34" charset="-120"/>
+                  </a:rPr>
+                  <a:t>，由路徑最短至最長產生</a:t>
+                </a:r>
+                <a:r>
+                  <a:rPr lang="en-US" altLang="zh-TW" sz="2800" dirty="0" smtClean="0">
+                    <a:latin typeface="微軟正黑體" panose="020B0604030504040204" pitchFamily="34" charset="-120"/>
+                    <a:ea typeface="微軟正黑體" panose="020B0604030504040204" pitchFamily="34" charset="-120"/>
+                  </a:rPr>
+                  <a:t>H</a:t>
+                </a:r>
+                <a:r>
+                  <a:rPr lang="zh-TW" altLang="en-US" sz="2800" dirty="0" smtClean="0">
+                    <a:latin typeface="微軟正黑體" panose="020B0604030504040204" pitchFamily="34" charset="-120"/>
+                    <a:ea typeface="微軟正黑體" panose="020B0604030504040204" pitchFamily="34" charset="-120"/>
+                  </a:rPr>
+                  <a:t>，並存入一二維陣列。</a:t>
+                </a:r>
+                <a:endParaRPr lang="en-US" altLang="zh-TW" sz="2800" dirty="0" smtClean="0">
                   <a:latin typeface="微軟正黑體" panose="020B0604030504040204" pitchFamily="34" charset="-120"/>
                   <a:ea typeface="微軟正黑體" panose="020B0604030504040204" pitchFamily="34" charset="-120"/>
-                </a:rPr>
-                <a:t>(H)</a:t>
-              </a:r>
-              <a:r>
-                <a:rPr lang="zh-TW" altLang="en-US" sz="2800" dirty="0" smtClean="0">
+                </a:endParaRPr>
+              </a:p>
+              <a:p>
+                <a:pPr marL="971550" lvl="1" indent="-514350">
+                  <a:spcBef>
+                    <a:spcPts val="1200"/>
+                  </a:spcBef>
+                  <a:spcAft>
+                    <a:spcPts val="1200"/>
+                  </a:spcAft>
+                  <a:buFont typeface="+mj-lt"/>
+                  <a:buAutoNum type="arabicPeriod" startAt="3"/>
+                </a:pPr>
+                <a:r>
+                  <a:rPr lang="zh-TW" altLang="en-US" sz="2800" dirty="0" smtClean="0">
+                    <a:latin typeface="微軟正黑體" panose="020B0604030504040204" pitchFamily="34" charset="-120"/>
+                    <a:ea typeface="微軟正黑體" panose="020B0604030504040204" pitchFamily="34" charset="-120"/>
+                  </a:rPr>
+                  <a:t>影像先各自乘上轉至基底的</a:t>
+                </a:r>
+                <a:r>
+                  <a:rPr lang="en-US" altLang="zh-TW" sz="2800" dirty="0" smtClean="0">
+                    <a:latin typeface="微軟正黑體" panose="020B0604030504040204" pitchFamily="34" charset="-120"/>
+                    <a:ea typeface="微軟正黑體" panose="020B0604030504040204" pitchFamily="34" charset="-120"/>
+                  </a:rPr>
+                  <a:t>H</a:t>
+                </a:r>
+                <a:r>
+                  <a:rPr lang="zh-TW" altLang="en-US" sz="2800" dirty="0" smtClean="0">
+                    <a:latin typeface="微軟正黑體" panose="020B0604030504040204" pitchFamily="34" charset="-120"/>
+                    <a:ea typeface="微軟正黑體" panose="020B0604030504040204" pitchFamily="34" charset="-120"/>
+                  </a:rPr>
+                  <a:t>，求出新座標下影像座標的極值後，再根據極值調整各自的</a:t>
+                </a:r>
+                <a:r>
+                  <a:rPr lang="en-US" altLang="zh-TW" sz="2800" dirty="0" smtClean="0">
+                    <a:latin typeface="微軟正黑體" panose="020B0604030504040204" pitchFamily="34" charset="-120"/>
+                    <a:ea typeface="微軟正黑體" panose="020B0604030504040204" pitchFamily="34" charset="-120"/>
+                  </a:rPr>
+                  <a:t>H</a:t>
+                </a:r>
+                <a:r>
+                  <a:rPr lang="zh-TW" altLang="en-US" sz="2800" dirty="0" smtClean="0">
+                    <a:latin typeface="微軟正黑體" panose="020B0604030504040204" pitchFamily="34" charset="-120"/>
+                    <a:ea typeface="微軟正黑體" panose="020B0604030504040204" pitchFamily="34" charset="-120"/>
+                  </a:rPr>
+                  <a:t>，最後將各影像投影至同一座標。</a:t>
+                </a:r>
+                <a:endParaRPr lang="en-US" altLang="zh-TW" sz="2800" dirty="0" smtClean="0">
                   <a:latin typeface="微軟正黑體" panose="020B0604030504040204" pitchFamily="34" charset="-120"/>
                   <a:ea typeface="微軟正黑體" panose="020B0604030504040204" pitchFamily="34" charset="-120"/>
-                </a:rPr>
-                <a:t>，由路徑最短至最長產生</a:t>
-              </a:r>
-              <a:r>
-                <a:rPr lang="en-US" altLang="zh-TW" sz="2800" dirty="0" smtClean="0">
+                </a:endParaRPr>
+              </a:p>
+              <a:p>
+                <a:pPr marL="971550" lvl="1" indent="-514350">
+                  <a:spcBef>
+                    <a:spcPts val="1200"/>
+                  </a:spcBef>
+                  <a:spcAft>
+                    <a:spcPts val="1200"/>
+                  </a:spcAft>
+                  <a:buFont typeface="+mj-lt"/>
+                  <a:buAutoNum type="arabicPeriod" startAt="3"/>
+                </a:pPr>
+                <a:endParaRPr lang="en-US" altLang="zh-TW" sz="2800" dirty="0">
                   <a:latin typeface="微軟正黑體" panose="020B0604030504040204" pitchFamily="34" charset="-120"/>
                   <a:ea typeface="微軟正黑體" panose="020B0604030504040204" pitchFamily="34" charset="-120"/>
-                </a:rPr>
-                <a:t>H</a:t>
-              </a:r>
-              <a:r>
-                <a:rPr lang="zh-TW" altLang="en-US" sz="2800" dirty="0" smtClean="0">
+                </a:endParaRPr>
+              </a:p>
+              <a:p>
+                <a:pPr marL="971550" lvl="1" indent="-514350">
+                  <a:spcBef>
+                    <a:spcPts val="1200"/>
+                  </a:spcBef>
+                  <a:spcAft>
+                    <a:spcPts val="1200"/>
+                  </a:spcAft>
+                  <a:buFont typeface="+mj-lt"/>
+                  <a:buAutoNum type="arabicPeriod" startAt="3"/>
+                </a:pPr>
+                <a:endParaRPr lang="en-US" altLang="zh-TW" sz="2800" dirty="0" smtClean="0">
                   <a:latin typeface="微軟正黑體" panose="020B0604030504040204" pitchFamily="34" charset="-120"/>
                   <a:ea typeface="微軟正黑體" panose="020B0604030504040204" pitchFamily="34" charset="-120"/>
-                </a:rPr>
-                <a:t>，並存入一二維陣列。</a:t>
-              </a:r>
-              <a:endParaRPr lang="en-US" altLang="zh-TW" sz="2800" dirty="0" smtClean="0">
-                <a:latin typeface="微軟正黑體" panose="020B0604030504040204" pitchFamily="34" charset="-120"/>
-                <a:ea typeface="微軟正黑體" panose="020B0604030504040204" pitchFamily="34" charset="-120"/>
-              </a:endParaRPr>
-            </a:p>
-            <a:p>
-              <a:pPr marL="971550" lvl="1" indent="-514350">
-                <a:spcBef>
-                  <a:spcPts val="1200"/>
-                </a:spcBef>
-                <a:spcAft>
-                  <a:spcPts val="1200"/>
-                </a:spcAft>
-                <a:buFont typeface="+mj-lt"/>
-                <a:buAutoNum type="arabicPeriod" startAt="3"/>
-              </a:pPr>
-              <a:r>
-                <a:rPr lang="zh-TW" altLang="en-US" sz="2800" dirty="0" smtClean="0">
+                </a:endParaRPr>
+              </a:p>
+              <a:p>
+                <a:pPr marL="971550" lvl="1" indent="-514350">
+                  <a:spcBef>
+                    <a:spcPts val="1200"/>
+                  </a:spcBef>
+                  <a:spcAft>
+                    <a:spcPts val="1200"/>
+                  </a:spcAft>
+                  <a:buFont typeface="+mj-lt"/>
+                  <a:buAutoNum type="arabicPeriod" startAt="3"/>
+                </a:pPr>
+                <a:endParaRPr lang="en-US" altLang="zh-TW" sz="2800" dirty="0">
                   <a:latin typeface="微軟正黑體" panose="020B0604030504040204" pitchFamily="34" charset="-120"/>
                   <a:ea typeface="微軟正黑體" panose="020B0604030504040204" pitchFamily="34" charset="-120"/>
-                </a:rPr>
-                <a:t>影像先各自乘上轉至基底的</a:t>
-              </a:r>
-              <a:r>
-                <a:rPr lang="en-US" altLang="zh-TW" sz="2800" dirty="0" smtClean="0">
+                </a:endParaRPr>
+              </a:p>
+              <a:p>
+                <a:pPr marL="971550" lvl="1" indent="-514350">
+                  <a:spcBef>
+                    <a:spcPts val="1200"/>
+                  </a:spcBef>
+                  <a:spcAft>
+                    <a:spcPts val="1200"/>
+                  </a:spcAft>
+                  <a:buFont typeface="+mj-lt"/>
+                  <a:buAutoNum type="arabicPeriod" startAt="3"/>
+                </a:pPr>
+                <a:endParaRPr lang="en-US" altLang="zh-TW" sz="2800" dirty="0" smtClean="0">
                   <a:latin typeface="微軟正黑體" panose="020B0604030504040204" pitchFamily="34" charset="-120"/>
                   <a:ea typeface="微軟正黑體" panose="020B0604030504040204" pitchFamily="34" charset="-120"/>
-                </a:rPr>
-                <a:t>H</a:t>
-              </a:r>
-              <a:r>
-                <a:rPr lang="zh-TW" altLang="en-US" sz="2800" dirty="0" smtClean="0">
+                </a:endParaRPr>
+              </a:p>
+              <a:p>
+                <a:pPr marL="971550" lvl="1" indent="-514350">
+                  <a:spcBef>
+                    <a:spcPts val="1200"/>
+                  </a:spcBef>
+                  <a:spcAft>
+                    <a:spcPts val="1200"/>
+                  </a:spcAft>
+                  <a:buFont typeface="+mj-lt"/>
+                  <a:buAutoNum type="arabicPeriod" startAt="3"/>
+                </a:pPr>
+                <a:r>
+                  <a:rPr lang="zh-TW" altLang="en-US" sz="2800" dirty="0" smtClean="0">
+                    <a:latin typeface="微軟正黑體" panose="020B0604030504040204" pitchFamily="34" charset="-120"/>
+                    <a:ea typeface="微軟正黑體" panose="020B0604030504040204" pitchFamily="34" charset="-120"/>
+                  </a:rPr>
+                  <a:t>兩兩選取影像，判斷是否有交集後，計算縫線的路徑</a:t>
+                </a:r>
+                <a:endParaRPr lang="en-US" altLang="zh-TW" sz="2800" dirty="0" smtClean="0">
                   <a:latin typeface="微軟正黑體" panose="020B0604030504040204" pitchFamily="34" charset="-120"/>
                   <a:ea typeface="微軟正黑體" panose="020B0604030504040204" pitchFamily="34" charset="-120"/>
-                </a:rPr>
-                <a:t>，求出新座標下影像座標的極值後，再根據極值調整各自的</a:t>
-              </a:r>
-              <a:r>
-                <a:rPr lang="en-US" altLang="zh-TW" sz="2800" dirty="0" smtClean="0">
+                </a:endParaRPr>
+              </a:p>
+              <a:p>
+                <a:pPr marL="971550" lvl="1" indent="-514350">
+                  <a:spcBef>
+                    <a:spcPts val="1200"/>
+                  </a:spcBef>
+                  <a:spcAft>
+                    <a:spcPts val="1200"/>
+                  </a:spcAft>
+                  <a:buFont typeface="+mj-lt"/>
+                  <a:buAutoNum type="arabicPeriod" startAt="3"/>
+                </a:pPr>
+                <a:endParaRPr lang="en-US" altLang="zh-TW" sz="2800" dirty="0">
                   <a:latin typeface="微軟正黑體" panose="020B0604030504040204" pitchFamily="34" charset="-120"/>
                   <a:ea typeface="微軟正黑體" panose="020B0604030504040204" pitchFamily="34" charset="-120"/>
-                </a:rPr>
-                <a:t>H</a:t>
-              </a:r>
-              <a:r>
-                <a:rPr lang="zh-TW" altLang="en-US" sz="2800" dirty="0" smtClean="0">
+                </a:endParaRPr>
+              </a:p>
+              <a:p>
+                <a:pPr marL="971550" lvl="1" indent="-514350">
+                  <a:spcBef>
+                    <a:spcPts val="1200"/>
+                  </a:spcBef>
+                  <a:spcAft>
+                    <a:spcPts val="1200"/>
+                  </a:spcAft>
+                  <a:buFont typeface="+mj-lt"/>
+                  <a:buAutoNum type="arabicPeriod" startAt="3"/>
+                </a:pPr>
+                <a:endParaRPr lang="en-US" altLang="zh-TW" sz="2800" dirty="0" smtClean="0">
                   <a:latin typeface="微軟正黑體" panose="020B0604030504040204" pitchFamily="34" charset="-120"/>
                   <a:ea typeface="微軟正黑體" panose="020B0604030504040204" pitchFamily="34" charset="-120"/>
-                </a:rPr>
-                <a:t>，最後將各影像投影至同一座標。</a:t>
-              </a:r>
-              <a:endParaRPr lang="en-US" altLang="zh-TW" sz="2800" dirty="0" smtClean="0">
-                <a:latin typeface="微軟正黑體" panose="020B0604030504040204" pitchFamily="34" charset="-120"/>
-                <a:ea typeface="微軟正黑體" panose="020B0604030504040204" pitchFamily="34" charset="-120"/>
-              </a:endParaRPr>
-            </a:p>
-            <a:p>
-              <a:pPr marL="971550" lvl="1" indent="-514350">
-                <a:spcBef>
-                  <a:spcPts val="1200"/>
-                </a:spcBef>
-                <a:spcAft>
-                  <a:spcPts val="1200"/>
-                </a:spcAft>
-                <a:buFont typeface="+mj-lt"/>
-                <a:buAutoNum type="arabicPeriod" startAt="3"/>
-              </a:pPr>
-              <a:endParaRPr lang="en-US" altLang="zh-TW" sz="2800" dirty="0">
-                <a:latin typeface="微軟正黑體" panose="020B0604030504040204" pitchFamily="34" charset="-120"/>
-                <a:ea typeface="微軟正黑體" panose="020B0604030504040204" pitchFamily="34" charset="-120"/>
-              </a:endParaRPr>
-            </a:p>
-            <a:p>
-              <a:pPr marL="971550" lvl="1" indent="-514350">
-                <a:spcBef>
-                  <a:spcPts val="1200"/>
-                </a:spcBef>
-                <a:spcAft>
-                  <a:spcPts val="1200"/>
-                </a:spcAft>
-                <a:buFont typeface="+mj-lt"/>
-                <a:buAutoNum type="arabicPeriod" startAt="3"/>
-              </a:pPr>
-              <a:endParaRPr lang="en-US" altLang="zh-TW" sz="2800" dirty="0" smtClean="0">
-                <a:latin typeface="微軟正黑體" panose="020B0604030504040204" pitchFamily="34" charset="-120"/>
-                <a:ea typeface="微軟正黑體" panose="020B0604030504040204" pitchFamily="34" charset="-120"/>
-              </a:endParaRPr>
-            </a:p>
-            <a:p>
-              <a:pPr marL="971550" lvl="1" indent="-514350">
-                <a:spcBef>
-                  <a:spcPts val="1200"/>
-                </a:spcBef>
-                <a:spcAft>
-                  <a:spcPts val="1200"/>
-                </a:spcAft>
-                <a:buFont typeface="+mj-lt"/>
-                <a:buAutoNum type="arabicPeriod" startAt="3"/>
-              </a:pPr>
-              <a:endParaRPr lang="en-US" altLang="zh-TW" sz="2800" dirty="0">
-                <a:latin typeface="微軟正黑體" panose="020B0604030504040204" pitchFamily="34" charset="-120"/>
-                <a:ea typeface="微軟正黑體" panose="020B0604030504040204" pitchFamily="34" charset="-120"/>
-              </a:endParaRPr>
-            </a:p>
-            <a:p>
-              <a:pPr marL="971550" lvl="1" indent="-514350">
-                <a:spcBef>
-                  <a:spcPts val="1200"/>
-                </a:spcBef>
-                <a:spcAft>
-                  <a:spcPts val="1200"/>
-                </a:spcAft>
-                <a:buFont typeface="+mj-lt"/>
-                <a:buAutoNum type="arabicPeriod" startAt="3"/>
-              </a:pPr>
-              <a:endParaRPr lang="en-US" altLang="zh-TW" sz="2800" dirty="0" smtClean="0">
-                <a:latin typeface="微軟正黑體" panose="020B0604030504040204" pitchFamily="34" charset="-120"/>
-                <a:ea typeface="微軟正黑體" panose="020B0604030504040204" pitchFamily="34" charset="-120"/>
-              </a:endParaRPr>
-            </a:p>
-            <a:p>
-              <a:pPr marL="971550" lvl="1" indent="-514350">
-                <a:spcBef>
-                  <a:spcPts val="1200"/>
-                </a:spcBef>
-                <a:spcAft>
-                  <a:spcPts val="1200"/>
-                </a:spcAft>
-                <a:buFont typeface="+mj-lt"/>
-                <a:buAutoNum type="arabicPeriod" startAt="3"/>
-              </a:pPr>
-              <a:endParaRPr lang="en-US" altLang="zh-TW" sz="2800" dirty="0">
-                <a:latin typeface="微軟正黑體" panose="020B0604030504040204" pitchFamily="34" charset="-120"/>
-                <a:ea typeface="微軟正黑體" panose="020B0604030504040204" pitchFamily="34" charset="-120"/>
-              </a:endParaRPr>
-            </a:p>
-            <a:p>
-              <a:pPr marL="971550" lvl="1" indent="-514350">
-                <a:spcBef>
-                  <a:spcPts val="1200"/>
-                </a:spcBef>
-                <a:spcAft>
-                  <a:spcPts val="1200"/>
-                </a:spcAft>
-                <a:buFont typeface="+mj-lt"/>
-                <a:buAutoNum type="arabicPeriod" startAt="3"/>
-              </a:pPr>
-              <a:endParaRPr lang="en-US" altLang="zh-TW" sz="2800" dirty="0" smtClean="0">
-                <a:latin typeface="微軟正黑體" panose="020B0604030504040204" pitchFamily="34" charset="-120"/>
-                <a:ea typeface="微軟正黑體" panose="020B0604030504040204" pitchFamily="34" charset="-120"/>
-              </a:endParaRPr>
-            </a:p>
-          </p:txBody>
-        </p:sp>
-        <p:pic>
-          <p:nvPicPr>
-            <p:cNvPr id="2" name="圖片 1"/>
-            <p:cNvPicPr>
-              <a:picLocks noChangeAspect="1"/>
-            </p:cNvPicPr>
+                </a:endParaRPr>
+              </a:p>
+              <a:p>
+                <a:pPr marL="971550" lvl="1" indent="-514350">
+                  <a:spcBef>
+                    <a:spcPts val="1200"/>
+                  </a:spcBef>
+                  <a:spcAft>
+                    <a:spcPts val="1200"/>
+                  </a:spcAft>
+                  <a:buFont typeface="+mj-lt"/>
+                  <a:buAutoNum type="arabicPeriod" startAt="3"/>
+                </a:pPr>
+                <a:endParaRPr lang="en-US" altLang="zh-TW" sz="2800" dirty="0" smtClean="0">
+                  <a:latin typeface="微軟正黑體" panose="020B0604030504040204" pitchFamily="34" charset="-120"/>
+                  <a:ea typeface="微軟正黑體" panose="020B0604030504040204" pitchFamily="34" charset="-120"/>
+                </a:endParaRPr>
+              </a:p>
+              <a:p>
+                <a:pPr marL="971550" lvl="1" indent="-514350">
+                  <a:spcBef>
+                    <a:spcPts val="1200"/>
+                  </a:spcBef>
+                  <a:spcAft>
+                    <a:spcPts val="1200"/>
+                  </a:spcAft>
+                  <a:buFont typeface="+mj-lt"/>
+                  <a:buAutoNum type="arabicPeriod" startAt="3"/>
+                </a:pPr>
+                <a:endParaRPr lang="en-US" altLang="zh-TW" sz="2800" dirty="0" smtClean="0">
+                  <a:latin typeface="微軟正黑體" panose="020B0604030504040204" pitchFamily="34" charset="-120"/>
+                  <a:ea typeface="微軟正黑體" panose="020B0604030504040204" pitchFamily="34" charset="-120"/>
+                </a:endParaRPr>
+              </a:p>
+              <a:p>
+                <a:pPr marL="971550" lvl="1" indent="-514350">
+                  <a:spcBef>
+                    <a:spcPts val="1200"/>
+                  </a:spcBef>
+                  <a:spcAft>
+                    <a:spcPts val="1200"/>
+                  </a:spcAft>
+                  <a:buFont typeface="+mj-lt"/>
+                  <a:buAutoNum type="arabicPeriod" startAt="3"/>
+                </a:pPr>
+                <a:r>
+                  <a:rPr lang="zh-TW" altLang="en-US" sz="2800" dirty="0" smtClean="0">
+                    <a:latin typeface="微軟正黑體" panose="020B0604030504040204" pitchFamily="34" charset="-120"/>
+                    <a:ea typeface="微軟正黑體" panose="020B0604030504040204" pitchFamily="34" charset="-120"/>
+                  </a:rPr>
+                  <a:t>計算縫線路徑累積的影像差值後除以縫線長度，當作決定縫線好壞的標準，存入一二維陣列，最後根據此陣列利用</a:t>
+                </a:r>
+                <a:r>
+                  <a:rPr lang="en-US" altLang="zh-TW" sz="2800" dirty="0" smtClean="0">
+                    <a:latin typeface="微軟正黑體" panose="020B0604030504040204" pitchFamily="34" charset="-120"/>
+                    <a:ea typeface="微軟正黑體" panose="020B0604030504040204" pitchFamily="34" charset="-120"/>
+                  </a:rPr>
+                  <a:t>DP</a:t>
+                </a:r>
+                <a:r>
+                  <a:rPr lang="zh-TW" altLang="en-US" sz="2800" dirty="0" smtClean="0">
+                    <a:latin typeface="微軟正黑體" panose="020B0604030504040204" pitchFamily="34" charset="-120"/>
+                    <a:ea typeface="微軟正黑體" panose="020B0604030504040204" pitchFamily="34" charset="-120"/>
+                  </a:rPr>
+                  <a:t>找出最佳縫合影像的順序</a:t>
+                </a:r>
+                <a:endParaRPr lang="en-US" altLang="zh-TW" sz="2800" dirty="0" smtClean="0">
+                  <a:latin typeface="微軟正黑體" panose="020B0604030504040204" pitchFamily="34" charset="-120"/>
+                  <a:ea typeface="微軟正黑體" panose="020B0604030504040204" pitchFamily="34" charset="-120"/>
+                </a:endParaRPr>
+              </a:p>
+              <a:p>
+                <a:pPr marL="971550" lvl="1" indent="-514350">
+                  <a:spcBef>
+                    <a:spcPts val="1200"/>
+                  </a:spcBef>
+                  <a:spcAft>
+                    <a:spcPts val="1200"/>
+                  </a:spcAft>
+                  <a:buFont typeface="+mj-lt"/>
+                  <a:buAutoNum type="arabicPeriod" startAt="3"/>
+                </a:pPr>
+                <a:endParaRPr lang="en-US" altLang="zh-TW" sz="2800" dirty="0">
+                  <a:latin typeface="微軟正黑體" panose="020B0604030504040204" pitchFamily="34" charset="-120"/>
+                  <a:ea typeface="微軟正黑體" panose="020B0604030504040204" pitchFamily="34" charset="-120"/>
+                </a:endParaRPr>
+              </a:p>
+              <a:p>
+                <a:pPr marL="971550" lvl="1" indent="-514350">
+                  <a:spcBef>
+                    <a:spcPts val="1200"/>
+                  </a:spcBef>
+                  <a:spcAft>
+                    <a:spcPts val="1200"/>
+                  </a:spcAft>
+                  <a:buFont typeface="+mj-lt"/>
+                  <a:buAutoNum type="arabicPeriod" startAt="3"/>
+                </a:pPr>
+                <a:endParaRPr lang="en-US" altLang="zh-TW" sz="2800" dirty="0" smtClean="0">
+                  <a:latin typeface="微軟正黑體" panose="020B0604030504040204" pitchFamily="34" charset="-120"/>
+                  <a:ea typeface="微軟正黑體" panose="020B0604030504040204" pitchFamily="34" charset="-120"/>
+                </a:endParaRPr>
+              </a:p>
+              <a:p>
+                <a:pPr marL="971550" lvl="1" indent="-514350">
+                  <a:spcBef>
+                    <a:spcPts val="1200"/>
+                  </a:spcBef>
+                  <a:spcAft>
+                    <a:spcPts val="1200"/>
+                  </a:spcAft>
+                  <a:buFont typeface="+mj-lt"/>
+                  <a:buAutoNum type="arabicPeriod" startAt="3"/>
+                </a:pPr>
+                <a:endParaRPr lang="en-US" altLang="zh-TW" sz="2800" dirty="0">
+                  <a:latin typeface="微軟正黑體" panose="020B0604030504040204" pitchFamily="34" charset="-120"/>
+                  <a:ea typeface="微軟正黑體" panose="020B0604030504040204" pitchFamily="34" charset="-120"/>
+                </a:endParaRPr>
+              </a:p>
+              <a:p>
+                <a:pPr marL="971550" lvl="1" indent="-514350">
+                  <a:spcBef>
+                    <a:spcPts val="1200"/>
+                  </a:spcBef>
+                  <a:spcAft>
+                    <a:spcPts val="1200"/>
+                  </a:spcAft>
+                  <a:buFont typeface="+mj-lt"/>
+                  <a:buAutoNum type="arabicPeriod" startAt="3"/>
+                </a:pPr>
+                <a:endParaRPr lang="en-US" altLang="zh-TW" sz="2800" dirty="0" smtClean="0">
+                  <a:latin typeface="微軟正黑體" panose="020B0604030504040204" pitchFamily="34" charset="-120"/>
+                  <a:ea typeface="微軟正黑體" panose="020B0604030504040204" pitchFamily="34" charset="-120"/>
+                </a:endParaRPr>
+              </a:p>
+              <a:p>
+                <a:pPr marL="971550" lvl="1" indent="-514350">
+                  <a:spcBef>
+                    <a:spcPts val="1200"/>
+                  </a:spcBef>
+                  <a:spcAft>
+                    <a:spcPts val="1200"/>
+                  </a:spcAft>
+                  <a:buFont typeface="+mj-lt"/>
+                  <a:buAutoNum type="arabicPeriod" startAt="3"/>
+                </a:pPr>
+                <a:r>
+                  <a:rPr lang="zh-TW" altLang="en-US" sz="2800" dirty="0" smtClean="0">
+                    <a:latin typeface="微軟正黑體" panose="020B0604030504040204" pitchFamily="34" charset="-120"/>
+                    <a:ea typeface="微軟正黑體" panose="020B0604030504040204" pitchFamily="34" charset="-120"/>
+                  </a:rPr>
+                  <a:t>根據縫合順序縫合影像</a:t>
+                </a:r>
+                <a:endParaRPr lang="en-US" altLang="zh-TW" sz="2800" dirty="0" smtClean="0">
+                  <a:latin typeface="微軟正黑體" panose="020B0604030504040204" pitchFamily="34" charset="-120"/>
+                  <a:ea typeface="微軟正黑體" panose="020B0604030504040204" pitchFamily="34" charset="-120"/>
+                </a:endParaRPr>
+              </a:p>
+              <a:p>
+                <a:pPr marL="971550" lvl="1" indent="-514350">
+                  <a:spcBef>
+                    <a:spcPts val="1200"/>
+                  </a:spcBef>
+                  <a:spcAft>
+                    <a:spcPts val="1200"/>
+                  </a:spcAft>
+                  <a:buFont typeface="+mj-lt"/>
+                  <a:buAutoNum type="arabicPeriod" startAt="3"/>
+                </a:pPr>
+                <a:endParaRPr lang="en-US" altLang="zh-TW" sz="2800" dirty="0" smtClean="0">
+                  <a:latin typeface="微軟正黑體" panose="020B0604030504040204" pitchFamily="34" charset="-120"/>
+                  <a:ea typeface="微軟正黑體" panose="020B0604030504040204" pitchFamily="34" charset="-120"/>
+                </a:endParaRPr>
+              </a:p>
+              <a:p>
+                <a:pPr marL="971550" lvl="1" indent="-514350">
+                  <a:spcBef>
+                    <a:spcPts val="1200"/>
+                  </a:spcBef>
+                  <a:spcAft>
+                    <a:spcPts val="1200"/>
+                  </a:spcAft>
+                  <a:buFont typeface="+mj-lt"/>
+                  <a:buAutoNum type="arabicPeriod" startAt="3"/>
+                </a:pPr>
+                <a:endParaRPr lang="en-US" altLang="zh-TW" sz="2800" dirty="0" smtClean="0">
+                  <a:latin typeface="微軟正黑體" panose="020B0604030504040204" pitchFamily="34" charset="-120"/>
+                  <a:ea typeface="微軟正黑體" panose="020B0604030504040204" pitchFamily="34" charset="-120"/>
+                </a:endParaRPr>
+              </a:p>
+              <a:p>
+                <a:pPr marL="971550" lvl="1" indent="-514350">
+                  <a:spcBef>
+                    <a:spcPts val="1200"/>
+                  </a:spcBef>
+                  <a:spcAft>
+                    <a:spcPts val="1200"/>
+                  </a:spcAft>
+                  <a:buFont typeface="+mj-lt"/>
+                  <a:buAutoNum type="arabicPeriod" startAt="3"/>
+                </a:pPr>
+                <a:endParaRPr lang="en-US" altLang="zh-TW" sz="2800" dirty="0">
+                  <a:latin typeface="微軟正黑體" panose="020B0604030504040204" pitchFamily="34" charset="-120"/>
+                  <a:ea typeface="微軟正黑體" panose="020B0604030504040204" pitchFamily="34" charset="-120"/>
+                </a:endParaRPr>
+              </a:p>
+              <a:p>
+                <a:pPr marL="971550" lvl="1" indent="-514350">
+                  <a:spcBef>
+                    <a:spcPts val="1200"/>
+                  </a:spcBef>
+                  <a:spcAft>
+                    <a:spcPts val="1200"/>
+                  </a:spcAft>
+                  <a:buFont typeface="+mj-lt"/>
+                  <a:buAutoNum type="arabicPeriod" startAt="3"/>
+                </a:pPr>
+                <a:endParaRPr lang="en-US" altLang="zh-TW" sz="2800" dirty="0" smtClean="0">
+                  <a:latin typeface="微軟正黑體" panose="020B0604030504040204" pitchFamily="34" charset="-120"/>
+                  <a:ea typeface="微軟正黑體" panose="020B0604030504040204" pitchFamily="34" charset="-120"/>
+                </a:endParaRPr>
+              </a:p>
+            </p:txBody>
+          </p:sp>
+          <p:pic>
+            <p:nvPicPr>
+              <p:cNvPr id="2" name="圖片 1"/>
+              <p:cNvPicPr>
+                <a:picLocks noChangeAspect="1"/>
+              </p:cNvPicPr>
+              <p:nvPr/>
+            </p:nvPicPr>
+            <p:blipFill rotWithShape="1">
+              <a:blip r:embed="rId6">
+                <a:extLst>
+                  <a:ext uri="{28A0092B-C50C-407E-A947-70E740481C1C}">
+                    <a14:useLocalDpi xmlns:a14="http://schemas.microsoft.com/office/drawing/2010/main" val="0"/>
+                  </a:ext>
+                </a:extLst>
+              </a:blip>
+              <a:srcRect l="56605" t="18340" r="7053" b="18368"/>
+              <a:stretch/>
+            </p:blipFill>
+            <p:spPr>
+              <a:xfrm>
+                <a:off x="11167328" y="8940457"/>
+                <a:ext cx="2384017" cy="3114011"/>
+              </a:xfrm>
+              <a:prstGeom prst="rect">
+                <a:avLst/>
+              </a:prstGeom>
+            </p:spPr>
+          </p:pic>
+          <p:pic>
+            <p:nvPicPr>
+              <p:cNvPr id="3" name="圖片 2"/>
+              <p:cNvPicPr>
+                <a:picLocks noChangeAspect="1"/>
+              </p:cNvPicPr>
+              <p:nvPr/>
+            </p:nvPicPr>
+            <p:blipFill rotWithShape="1">
+              <a:blip r:embed="rId7">
+                <a:extLst>
+                  <a:ext uri="{28A0092B-C50C-407E-A947-70E740481C1C}">
+                    <a14:useLocalDpi xmlns:a14="http://schemas.microsoft.com/office/drawing/2010/main" val="0"/>
+                  </a:ext>
+                </a:extLst>
+              </a:blip>
+              <a:srcRect l="56621" t="18347" r="6947" b="18934"/>
+              <a:stretch/>
+            </p:blipFill>
+            <p:spPr>
+              <a:xfrm>
+                <a:off x="13463785" y="8929307"/>
+                <a:ext cx="2420375" cy="3125162"/>
+              </a:xfrm>
+              <a:prstGeom prst="rect">
+                <a:avLst/>
+              </a:prstGeom>
+            </p:spPr>
+          </p:pic>
+          <p:pic>
+            <p:nvPicPr>
+              <p:cNvPr id="10" name="圖片 9"/>
+              <p:cNvPicPr>
+                <a:picLocks noChangeAspect="1"/>
+              </p:cNvPicPr>
+              <p:nvPr/>
+            </p:nvPicPr>
+            <p:blipFill rotWithShape="1">
+              <a:blip r:embed="rId8">
+                <a:extLst>
+                  <a:ext uri="{28A0092B-C50C-407E-A947-70E740481C1C}">
+                    <a14:useLocalDpi xmlns:a14="http://schemas.microsoft.com/office/drawing/2010/main" val="0"/>
+                  </a:ext>
+                </a:extLst>
+              </a:blip>
+              <a:srcRect l="56701" t="18674" r="6431" b="18477"/>
+              <a:stretch/>
+            </p:blipFill>
+            <p:spPr>
+              <a:xfrm>
+                <a:off x="15884161" y="8929305"/>
+                <a:ext cx="2444280" cy="3125163"/>
+              </a:xfrm>
+              <a:prstGeom prst="rect">
+                <a:avLst/>
+              </a:prstGeom>
+            </p:spPr>
+          </p:pic>
+          <p:pic>
+            <p:nvPicPr>
+              <p:cNvPr id="14" name="圖片 13"/>
+              <p:cNvPicPr>
+                <a:picLocks noChangeAspect="1"/>
+              </p:cNvPicPr>
+              <p:nvPr/>
+            </p:nvPicPr>
+            <p:blipFill rotWithShape="1">
+              <a:blip r:embed="rId9">
+                <a:extLst>
+                  <a:ext uri="{28A0092B-C50C-407E-A947-70E740481C1C}">
+                    <a14:useLocalDpi xmlns:a14="http://schemas.microsoft.com/office/drawing/2010/main" val="0"/>
+                  </a:ext>
+                </a:extLst>
+              </a:blip>
+              <a:srcRect l="56873" t="19272" r="6696" b="18528"/>
+              <a:stretch/>
+            </p:blipFill>
+            <p:spPr>
+              <a:xfrm>
+                <a:off x="18304535" y="8929304"/>
+                <a:ext cx="2440612" cy="3125163"/>
+              </a:xfrm>
+              <a:prstGeom prst="rect">
+                <a:avLst/>
+              </a:prstGeom>
+            </p:spPr>
+          </p:pic>
+        </p:grpSp>
+        <p:grpSp>
+          <p:nvGrpSpPr>
+            <p:cNvPr id="29" name="群組 28"/>
+            <p:cNvGrpSpPr/>
             <p:nvPr/>
-          </p:nvPicPr>
-          <p:blipFill rotWithShape="1">
-            <a:blip r:embed="rId6">
-              <a:extLst>
-                <a:ext uri="{28A0092B-C50C-407E-A947-70E740481C1C}">
-                  <a14:useLocalDpi xmlns:a14="http://schemas.microsoft.com/office/drawing/2010/main" val="0"/>
-                </a:ext>
-              </a:extLst>
-            </a:blip>
-            <a:srcRect l="56605" t="18340" r="7053" b="18368"/>
-            <a:stretch/>
-          </p:blipFill>
-          <p:spPr>
+          </p:nvGrpSpPr>
+          <p:grpSpPr>
             <a:xfrm>
-              <a:off x="11167328" y="8940457"/>
-              <a:ext cx="2384017" cy="3114011"/>
+              <a:off x="11440910" y="12680022"/>
+              <a:ext cx="9304237" cy="7310530"/>
+              <a:chOff x="11440910" y="12680022"/>
+              <a:chExt cx="9304237" cy="7310530"/>
             </a:xfrm>
-            <a:prstGeom prst="rect">
-              <a:avLst/>
-            </a:prstGeom>
-          </p:spPr>
-        </p:pic>
-        <p:pic>
-          <p:nvPicPr>
-            <p:cNvPr id="3" name="圖片 2"/>
-            <p:cNvPicPr>
-              <a:picLocks noChangeAspect="1"/>
-            </p:cNvPicPr>
-            <p:nvPr/>
-          </p:nvPicPr>
-          <p:blipFill rotWithShape="1">
-            <a:blip r:embed="rId7">
-              <a:extLst>
-                <a:ext uri="{28A0092B-C50C-407E-A947-70E740481C1C}">
-                  <a14:useLocalDpi xmlns:a14="http://schemas.microsoft.com/office/drawing/2010/main" val="0"/>
-                </a:ext>
-              </a:extLst>
-            </a:blip>
-            <a:srcRect l="56621" t="18347" r="6947" b="18934"/>
-            <a:stretch/>
-          </p:blipFill>
-          <p:spPr>
-            <a:xfrm>
-              <a:off x="13463785" y="8929307"/>
-              <a:ext cx="2420375" cy="3125162"/>
-            </a:xfrm>
-            <a:prstGeom prst="rect">
-              <a:avLst/>
-            </a:prstGeom>
-          </p:spPr>
-        </p:pic>
-        <p:pic>
-          <p:nvPicPr>
-            <p:cNvPr id="10" name="圖片 9"/>
-            <p:cNvPicPr>
-              <a:picLocks noChangeAspect="1"/>
-            </p:cNvPicPr>
-            <p:nvPr/>
-          </p:nvPicPr>
-          <p:blipFill rotWithShape="1">
-            <a:blip r:embed="rId8">
-              <a:extLst>
-                <a:ext uri="{28A0092B-C50C-407E-A947-70E740481C1C}">
-                  <a14:useLocalDpi xmlns:a14="http://schemas.microsoft.com/office/drawing/2010/main" val="0"/>
-                </a:ext>
-              </a:extLst>
-            </a:blip>
-            <a:srcRect l="56701" t="18674" r="6431" b="18477"/>
-            <a:stretch/>
-          </p:blipFill>
-          <p:spPr>
-            <a:xfrm>
-              <a:off x="15884161" y="8929305"/>
-              <a:ext cx="2444280" cy="3125163"/>
-            </a:xfrm>
-            <a:prstGeom prst="rect">
-              <a:avLst/>
-            </a:prstGeom>
-          </p:spPr>
-        </p:pic>
-        <p:pic>
-          <p:nvPicPr>
-            <p:cNvPr id="14" name="圖片 13"/>
-            <p:cNvPicPr>
-              <a:picLocks noChangeAspect="1"/>
-            </p:cNvPicPr>
-            <p:nvPr/>
-          </p:nvPicPr>
-          <p:blipFill rotWithShape="1">
-            <a:blip r:embed="rId9">
-              <a:extLst>
-                <a:ext uri="{28A0092B-C50C-407E-A947-70E740481C1C}">
-                  <a14:useLocalDpi xmlns:a14="http://schemas.microsoft.com/office/drawing/2010/main" val="0"/>
-                </a:ext>
-              </a:extLst>
-            </a:blip>
-            <a:srcRect l="56873" t="19272" r="6696" b="18528"/>
-            <a:stretch/>
-          </p:blipFill>
-          <p:spPr>
-            <a:xfrm>
-              <a:off x="18304535" y="8929304"/>
-              <a:ext cx="2440612" cy="3125163"/>
-            </a:xfrm>
-            <a:prstGeom prst="rect">
-              <a:avLst/>
-            </a:prstGeom>
-          </p:spPr>
-        </p:pic>
+          </p:grpSpPr>
+          <p:pic>
+            <p:nvPicPr>
+              <p:cNvPr id="16" name="圖片 15"/>
+              <p:cNvPicPr>
+                <a:picLocks noChangeAspect="1"/>
+              </p:cNvPicPr>
+              <p:nvPr/>
+            </p:nvPicPr>
+            <p:blipFill rotWithShape="1">
+              <a:blip r:embed="rId10">
+                <a:extLst>
+                  <a:ext uri="{28A0092B-C50C-407E-A947-70E740481C1C}">
+                    <a14:useLocalDpi xmlns:a14="http://schemas.microsoft.com/office/drawing/2010/main" val="0"/>
+                  </a:ext>
+                </a:extLst>
+              </a:blip>
+              <a:srcRect l="26974" t="22039" r="41382" b="41497"/>
+              <a:stretch/>
+            </p:blipFill>
+            <p:spPr>
+              <a:xfrm>
+                <a:off x="11599833" y="12680024"/>
+                <a:ext cx="3121324" cy="2697615"/>
+              </a:xfrm>
+              <a:prstGeom prst="rect">
+                <a:avLst/>
+              </a:prstGeom>
+            </p:spPr>
+          </p:pic>
+          <p:pic>
+            <p:nvPicPr>
+              <p:cNvPr id="18" name="圖片 17"/>
+              <p:cNvPicPr>
+                <a:picLocks noChangeAspect="1"/>
+              </p:cNvPicPr>
+              <p:nvPr/>
+            </p:nvPicPr>
+            <p:blipFill rotWithShape="1">
+              <a:blip r:embed="rId11">
+                <a:extLst>
+                  <a:ext uri="{28A0092B-C50C-407E-A947-70E740481C1C}">
+                    <a14:useLocalDpi xmlns:a14="http://schemas.microsoft.com/office/drawing/2010/main" val="0"/>
+                  </a:ext>
+                </a:extLst>
+              </a:blip>
+              <a:srcRect l="25302" t="20905" r="38636" b="39383"/>
+              <a:stretch/>
+            </p:blipFill>
+            <p:spPr>
+              <a:xfrm>
+                <a:off x="14827491" y="12680022"/>
+                <a:ext cx="3617329" cy="2987590"/>
+              </a:xfrm>
+              <a:prstGeom prst="rect">
+                <a:avLst/>
+              </a:prstGeom>
+            </p:spPr>
+          </p:pic>
+          <p:pic>
+            <p:nvPicPr>
+              <p:cNvPr id="19" name="圖片 18"/>
+              <p:cNvPicPr>
+                <a:picLocks noChangeAspect="1"/>
+              </p:cNvPicPr>
+              <p:nvPr/>
+            </p:nvPicPr>
+            <p:blipFill>
+              <a:blip r:embed="rId12">
+                <a:extLst>
+                  <a:ext uri="{28A0092B-C50C-407E-A947-70E740481C1C}">
+                    <a14:useLocalDpi xmlns:a14="http://schemas.microsoft.com/office/drawing/2010/main" val="0"/>
+                  </a:ext>
+                </a:extLst>
+              </a:blip>
+              <a:stretch>
+                <a:fillRect/>
+              </a:stretch>
+            </p:blipFill>
+            <p:spPr>
+              <a:xfrm>
+                <a:off x="11440910" y="17064253"/>
+                <a:ext cx="4675428" cy="2926299"/>
+              </a:xfrm>
+              <a:prstGeom prst="rect">
+                <a:avLst/>
+              </a:prstGeom>
+            </p:spPr>
+          </p:pic>
+          <p:pic>
+            <p:nvPicPr>
+              <p:cNvPr id="21" name="圖片 20"/>
+              <p:cNvPicPr>
+                <a:picLocks noChangeAspect="1"/>
+              </p:cNvPicPr>
+              <p:nvPr/>
+            </p:nvPicPr>
+            <p:blipFill>
+              <a:blip r:embed="rId13">
+                <a:extLst>
+                  <a:ext uri="{28A0092B-C50C-407E-A947-70E740481C1C}">
+                    <a14:useLocalDpi xmlns:a14="http://schemas.microsoft.com/office/drawing/2010/main" val="0"/>
+                  </a:ext>
+                </a:extLst>
+              </a:blip>
+              <a:stretch>
+                <a:fillRect/>
+              </a:stretch>
+            </p:blipFill>
+            <p:spPr>
+              <a:xfrm>
+                <a:off x="16095787" y="17064251"/>
+                <a:ext cx="4649360" cy="2909983"/>
+              </a:xfrm>
+              <a:prstGeom prst="rect">
+                <a:avLst/>
+              </a:prstGeom>
+            </p:spPr>
+          </p:pic>
+          <p:sp>
+            <p:nvSpPr>
+              <p:cNvPr id="25" name="橢圓 24"/>
+              <p:cNvSpPr/>
+              <p:nvPr/>
+            </p:nvSpPr>
+            <p:spPr>
+              <a:xfrm>
+                <a:off x="18703636" y="13849004"/>
+                <a:ext cx="182880" cy="179827"/>
+              </a:xfrm>
+              <a:prstGeom prst="ellipse">
+                <a:avLst/>
+              </a:prstGeom>
+              <a:solidFill>
+                <a:schemeClr val="tx1"/>
+              </a:solidFill>
+              <a:ln>
+                <a:solidFill>
+                  <a:schemeClr val="tx1"/>
+                </a:solidFill>
+              </a:ln>
+            </p:spPr>
+            <p:style>
+              <a:lnRef idx="2">
+                <a:schemeClr val="accent1">
+                  <a:shade val="50000"/>
+                </a:schemeClr>
+              </a:lnRef>
+              <a:fillRef idx="1">
+                <a:schemeClr val="accent1"/>
+              </a:fillRef>
+              <a:effectRef idx="0">
+                <a:schemeClr val="accent1"/>
+              </a:effectRef>
+              <a:fontRef idx="minor">
+                <a:schemeClr val="lt1"/>
+              </a:fontRef>
+            </p:style>
+            <p:txBody>
+              <a:bodyPr rtlCol="0" anchor="ctr"/>
+              <a:lstStyle/>
+              <a:p>
+                <a:pPr algn="ctr"/>
+                <a:endParaRPr lang="en-US"/>
+              </a:p>
+            </p:txBody>
+          </p:sp>
+          <p:sp>
+            <p:nvSpPr>
+              <p:cNvPr id="26" name="橢圓 25"/>
+              <p:cNvSpPr/>
+              <p:nvPr/>
+            </p:nvSpPr>
+            <p:spPr>
+              <a:xfrm>
+                <a:off x="19082924" y="13849004"/>
+                <a:ext cx="182880" cy="179827"/>
+              </a:xfrm>
+              <a:prstGeom prst="ellipse">
+                <a:avLst/>
+              </a:prstGeom>
+              <a:solidFill>
+                <a:schemeClr val="tx1"/>
+              </a:solidFill>
+              <a:ln>
+                <a:solidFill>
+                  <a:schemeClr val="tx1"/>
+                </a:solidFill>
+              </a:ln>
+            </p:spPr>
+            <p:style>
+              <a:lnRef idx="2">
+                <a:schemeClr val="accent1">
+                  <a:shade val="50000"/>
+                </a:schemeClr>
+              </a:lnRef>
+              <a:fillRef idx="1">
+                <a:schemeClr val="accent1"/>
+              </a:fillRef>
+              <a:effectRef idx="0">
+                <a:schemeClr val="accent1"/>
+              </a:effectRef>
+              <a:fontRef idx="minor">
+                <a:schemeClr val="lt1"/>
+              </a:fontRef>
+            </p:style>
+            <p:txBody>
+              <a:bodyPr rtlCol="0" anchor="ctr"/>
+              <a:lstStyle/>
+              <a:p>
+                <a:pPr algn="ctr"/>
+                <a:endParaRPr lang="en-US"/>
+              </a:p>
+            </p:txBody>
+          </p:sp>
+          <p:sp>
+            <p:nvSpPr>
+              <p:cNvPr id="28" name="橢圓 27"/>
+              <p:cNvSpPr/>
+              <p:nvPr/>
+            </p:nvSpPr>
+            <p:spPr>
+              <a:xfrm>
+                <a:off x="19471867" y="13849003"/>
+                <a:ext cx="182880" cy="179827"/>
+              </a:xfrm>
+              <a:prstGeom prst="ellipse">
+                <a:avLst/>
+              </a:prstGeom>
+              <a:solidFill>
+                <a:schemeClr val="tx1"/>
+              </a:solidFill>
+              <a:ln>
+                <a:solidFill>
+                  <a:schemeClr val="tx1"/>
+                </a:solidFill>
+              </a:ln>
+            </p:spPr>
+            <p:style>
+              <a:lnRef idx="2">
+                <a:schemeClr val="accent1">
+                  <a:shade val="50000"/>
+                </a:schemeClr>
+              </a:lnRef>
+              <a:fillRef idx="1">
+                <a:schemeClr val="accent1"/>
+              </a:fillRef>
+              <a:effectRef idx="0">
+                <a:schemeClr val="accent1"/>
+              </a:effectRef>
+              <a:fontRef idx="minor">
+                <a:schemeClr val="lt1"/>
+              </a:fontRef>
+            </p:style>
+            <p:txBody>
+              <a:bodyPr rtlCol="0" anchor="ctr"/>
+              <a:lstStyle/>
+              <a:p>
+                <a:pPr algn="ctr"/>
+                <a:endParaRPr lang="en-US"/>
+              </a:p>
+            </p:txBody>
+          </p:sp>
+        </p:grpSp>
       </p:grpSp>
     </p:spTree>
     <p:extLst>
@@ -4519,6 +5040,13 @@
   <p:clrMapOvr>
     <a:masterClrMapping/>
   </p:clrMapOvr>
+  <p:timing>
+    <p:tnLst>
+      <p:par>
+        <p:cTn id="1" dur="indefinite" restart="never" nodeType="tmRoot"/>
+      </p:par>
+    </p:tnLst>
+  </p:timing>
 </p:sld>
 </file>
 

--- a/poster/Presentation1.pptx
+++ b/poster/Presentation1.pptx
@@ -105,6 +105,15 @@
     </a:lvl9pPr>
   </p:defaultTextStyle>
   <p:extLst>
+    <p:ext uri="{521415D9-36F7-43E2-AB2F-B90AF26B5E84}">
+      <p14:sectionLst xmlns:p14="http://schemas.microsoft.com/office/powerpoint/2010/main">
+        <p14:section name="未命名的章節" id="{1FA75A7F-3B68-4167-BD2C-58448C856A7B}">
+          <p14:sldIdLst>
+            <p14:sldId id="256"/>
+          </p14:sldIdLst>
+        </p14:section>
+      </p14:sectionLst>
+    </p:ext>
     <p:ext uri="{EFAFB233-063F-42B5-8137-9DF3F51BA10A}">
       <p15:sldGuideLst xmlns:p15="http://schemas.microsoft.com/office/powerpoint/2012/main"/>
     </p:ext>
@@ -3073,7 +3082,7 @@
         </p:nvSpPr>
         <p:spPr>
           <a:xfrm>
-            <a:off x="-514350" y="3133797"/>
+            <a:off x="17421860" y="2829929"/>
             <a:ext cx="3583940" cy="1261884"/>
           </a:xfrm>
           <a:prstGeom prst="rect">
@@ -3173,7 +3182,7 @@
         </p:nvSpPr>
         <p:spPr>
           <a:xfrm>
-            <a:off x="895350" y="5178368"/>
+            <a:off x="827616" y="3180237"/>
             <a:ext cx="9372600" cy="5940088"/>
           </a:xfrm>
           <a:prstGeom prst="rect">
@@ -3415,7 +3424,7 @@
         </p:nvSpPr>
         <p:spPr>
           <a:xfrm>
-            <a:off x="895350" y="11118456"/>
+            <a:off x="827616" y="9120325"/>
             <a:ext cx="9372600" cy="8402300"/>
           </a:xfrm>
           <a:prstGeom prst="rect">
@@ -3704,7 +3713,7 @@
         </p:nvGrpSpPr>
         <p:grpSpPr>
           <a:xfrm>
-            <a:off x="895350" y="19520757"/>
+            <a:off x="827616" y="17522626"/>
             <a:ext cx="9478934" cy="9712149"/>
             <a:chOff x="895350" y="19520757"/>
             <a:chExt cx="9478934" cy="9712149"/>
@@ -4137,10 +4146,10 @@
         </p:nvGrpSpPr>
         <p:grpSpPr>
           <a:xfrm>
-            <a:off x="10374284" y="5410788"/>
-            <a:ext cx="10631516" cy="18497371"/>
+            <a:off x="10306550" y="3412657"/>
+            <a:ext cx="10631516" cy="15542716"/>
             <a:chOff x="10374284" y="5410788"/>
-            <a:chExt cx="10631516" cy="18497371"/>
+            <a:chExt cx="10631516" cy="15542716"/>
           </a:xfrm>
         </p:grpSpPr>
         <p:grpSp>
@@ -4152,9 +4161,9 @@
           <p:grpSpPr>
             <a:xfrm>
               <a:off x="10374284" y="5410788"/>
-              <a:ext cx="10631516" cy="18497371"/>
+              <a:ext cx="10631516" cy="15542716"/>
               <a:chOff x="10374284" y="5410788"/>
-              <a:chExt cx="10631516" cy="18497371"/>
+              <a:chExt cx="10631516" cy="15542716"/>
             </a:xfrm>
           </p:grpSpPr>
           <p:sp>
@@ -4166,7 +4175,7 @@
             <p:spPr>
               <a:xfrm>
                 <a:off x="10374284" y="5410788"/>
-                <a:ext cx="10631516" cy="18497371"/>
+                <a:ext cx="10631516" cy="15542716"/>
               </a:xfrm>
               <a:prstGeom prst="rect">
                 <a:avLst/>
@@ -4562,72 +4571,15 @@
                     <a:latin typeface="微軟正黑體" panose="020B0604030504040204" pitchFamily="34" charset="-120"/>
                     <a:ea typeface="微軟正黑體" panose="020B0604030504040204" pitchFamily="34" charset="-120"/>
                   </a:rPr>
-                  <a:t>根據縫合順序縫合影像</a:t>
+                  <a:t>根據縫合順序縫合</a:t>
                 </a:r>
-                <a:endParaRPr lang="en-US" altLang="zh-TW" sz="2800" dirty="0" smtClean="0">
-                  <a:latin typeface="微軟正黑體" panose="020B0604030504040204" pitchFamily="34" charset="-120"/>
-                  <a:ea typeface="微軟正黑體" panose="020B0604030504040204" pitchFamily="34" charset="-120"/>
-                </a:endParaRPr>
-              </a:p>
-              <a:p>
-                <a:pPr marL="971550" lvl="1" indent="-514350">
-                  <a:spcBef>
-                    <a:spcPts val="1200"/>
-                  </a:spcBef>
-                  <a:spcAft>
-                    <a:spcPts val="1200"/>
-                  </a:spcAft>
-                  <a:buFont typeface="+mj-lt"/>
-                  <a:buAutoNum type="arabicPeriod" startAt="3"/>
-                </a:pPr>
-                <a:endParaRPr lang="en-US" altLang="zh-TW" sz="2800" dirty="0" smtClean="0">
-                  <a:latin typeface="微軟正黑體" panose="020B0604030504040204" pitchFamily="34" charset="-120"/>
-                  <a:ea typeface="微軟正黑體" panose="020B0604030504040204" pitchFamily="34" charset="-120"/>
-                </a:endParaRPr>
-              </a:p>
-              <a:p>
-                <a:pPr marL="971550" lvl="1" indent="-514350">
-                  <a:spcBef>
-                    <a:spcPts val="1200"/>
-                  </a:spcBef>
-                  <a:spcAft>
-                    <a:spcPts val="1200"/>
-                  </a:spcAft>
-                  <a:buFont typeface="+mj-lt"/>
-                  <a:buAutoNum type="arabicPeriod" startAt="3"/>
-                </a:pPr>
-                <a:endParaRPr lang="en-US" altLang="zh-TW" sz="2800" dirty="0" smtClean="0">
-                  <a:latin typeface="微軟正黑體" panose="020B0604030504040204" pitchFamily="34" charset="-120"/>
-                  <a:ea typeface="微軟正黑體" panose="020B0604030504040204" pitchFamily="34" charset="-120"/>
-                </a:endParaRPr>
-              </a:p>
-              <a:p>
-                <a:pPr marL="971550" lvl="1" indent="-514350">
-                  <a:spcBef>
-                    <a:spcPts val="1200"/>
-                  </a:spcBef>
-                  <a:spcAft>
-                    <a:spcPts val="1200"/>
-                  </a:spcAft>
-                  <a:buFont typeface="+mj-lt"/>
-                  <a:buAutoNum type="arabicPeriod" startAt="3"/>
-                </a:pPr>
-                <a:endParaRPr lang="en-US" altLang="zh-TW" sz="2800" dirty="0">
-                  <a:latin typeface="微軟正黑體" panose="020B0604030504040204" pitchFamily="34" charset="-120"/>
-                  <a:ea typeface="微軟正黑體" panose="020B0604030504040204" pitchFamily="34" charset="-120"/>
-                </a:endParaRPr>
-              </a:p>
-              <a:p>
-                <a:pPr marL="971550" lvl="1" indent="-514350">
-                  <a:spcBef>
-                    <a:spcPts val="1200"/>
-                  </a:spcBef>
-                  <a:spcAft>
-                    <a:spcPts val="1200"/>
-                  </a:spcAft>
-                  <a:buFont typeface="+mj-lt"/>
-                  <a:buAutoNum type="arabicPeriod" startAt="3"/>
-                </a:pPr>
+                <a:r>
+                  <a:rPr lang="zh-TW" altLang="en-US" sz="2800" dirty="0" smtClean="0">
+                    <a:latin typeface="微軟正黑體" panose="020B0604030504040204" pitchFamily="34" charset="-120"/>
+                    <a:ea typeface="微軟正黑體" panose="020B0604030504040204" pitchFamily="34" charset="-120"/>
+                  </a:rPr>
+                  <a:t>影像</a:t>
+                </a:r>
                 <a:endParaRPr lang="en-US" altLang="zh-TW" sz="2800" dirty="0" smtClean="0">
                   <a:latin typeface="微軟正黑體" panose="020B0604030504040204" pitchFamily="34" charset="-120"/>
                   <a:ea typeface="微軟正黑體" panose="020B0604030504040204" pitchFamily="34" charset="-120"/>
@@ -5030,6 +4982,475 @@
           </p:sp>
         </p:grpSp>
       </p:grpSp>
+      <p:grpSp>
+        <p:nvGrpSpPr>
+          <p:cNvPr id="76" name="群組 75"/>
+          <p:cNvGrpSpPr/>
+          <p:nvPr/>
+        </p:nvGrpSpPr>
+        <p:grpSpPr>
+          <a:xfrm>
+            <a:off x="11099594" y="18955373"/>
+            <a:ext cx="9372600" cy="9387185"/>
+            <a:chOff x="11099594" y="18955373"/>
+            <a:chExt cx="9372600" cy="9387185"/>
+          </a:xfrm>
+        </p:grpSpPr>
+        <p:grpSp>
+          <p:nvGrpSpPr>
+            <p:cNvPr id="74" name="群組 73"/>
+            <p:cNvGrpSpPr/>
+            <p:nvPr/>
+          </p:nvGrpSpPr>
+          <p:grpSpPr>
+            <a:xfrm>
+              <a:off x="11099594" y="18955373"/>
+              <a:ext cx="9372600" cy="9387185"/>
+              <a:chOff x="11099594" y="18894479"/>
+              <a:chExt cx="9372600" cy="9387185"/>
+            </a:xfrm>
+          </p:grpSpPr>
+          <p:sp>
+            <p:nvSpPr>
+              <p:cNvPr id="31" name="TextBox 8"/>
+              <p:cNvSpPr txBox="1"/>
+              <p:nvPr/>
+            </p:nvSpPr>
+            <p:spPr>
+              <a:xfrm>
+                <a:off x="11099594" y="18894479"/>
+                <a:ext cx="9372600" cy="9387185"/>
+              </a:xfrm>
+              <a:prstGeom prst="rect">
+                <a:avLst/>
+              </a:prstGeom>
+              <a:noFill/>
+            </p:spPr>
+            <p:txBody>
+              <a:bodyPr wrap="square" rtlCol="0">
+                <a:spAutoFit/>
+              </a:bodyPr>
+              <a:lstStyle/>
+              <a:p>
+                <a:pPr>
+                  <a:spcBef>
+                    <a:spcPts val="1200"/>
+                  </a:spcBef>
+                  <a:spcAft>
+                    <a:spcPts val="1200"/>
+                  </a:spcAft>
+                </a:pPr>
+                <a:r>
+                  <a:rPr lang="zh-TW" altLang="en-US" sz="4800" b="1" dirty="0">
+                    <a:latin typeface="微軟正黑體" panose="020B0604030504040204" pitchFamily="34" charset="-120"/>
+                    <a:ea typeface="微軟正黑體" panose="020B0604030504040204" pitchFamily="34" charset="-120"/>
+                  </a:rPr>
+                  <a:t>肆</a:t>
+                </a:r>
+                <a:r>
+                  <a:rPr lang="zh-TW" altLang="en-US" sz="4800" b="1" dirty="0" smtClean="0">
+                    <a:latin typeface="微軟正黑體" panose="020B0604030504040204" pitchFamily="34" charset="-120"/>
+                    <a:ea typeface="微軟正黑體" panose="020B0604030504040204" pitchFamily="34" charset="-120"/>
+                  </a:rPr>
+                  <a:t>、實作結果</a:t>
+                </a:r>
+              </a:p>
+              <a:p>
+                <a:pPr>
+                  <a:spcBef>
+                    <a:spcPts val="1200"/>
+                  </a:spcBef>
+                  <a:spcAft>
+                    <a:spcPts val="1200"/>
+                  </a:spcAft>
+                </a:pPr>
+                <a:r>
+                  <a:rPr lang="en-US" altLang="zh-TW" sz="4800" dirty="0" smtClean="0">
+                    <a:latin typeface="微軟正黑體" panose="020B0604030504040204" pitchFamily="34" charset="-120"/>
+                    <a:ea typeface="微軟正黑體" panose="020B0604030504040204" pitchFamily="34" charset="-120"/>
+                  </a:rPr>
+                  <a:t>		</a:t>
+                </a:r>
+                <a:endParaRPr lang="en-US" altLang="zh-TW" sz="2800" dirty="0">
+                  <a:latin typeface="微軟正黑體" panose="020B0604030504040204" pitchFamily="34" charset="-120"/>
+                  <a:ea typeface="微軟正黑體" panose="020B0604030504040204" pitchFamily="34" charset="-120"/>
+                </a:endParaRPr>
+              </a:p>
+              <a:p>
+                <a:pPr>
+                  <a:spcBef>
+                    <a:spcPts val="1200"/>
+                  </a:spcBef>
+                  <a:spcAft>
+                    <a:spcPts val="1200"/>
+                  </a:spcAft>
+                </a:pPr>
+                <a:endParaRPr lang="en-US" sz="2800" dirty="0" smtClean="0">
+                  <a:latin typeface="微軟正黑體" panose="020B0604030504040204" pitchFamily="34" charset="-120"/>
+                  <a:ea typeface="微軟正黑體" panose="020B0604030504040204" pitchFamily="34" charset="-120"/>
+                </a:endParaRPr>
+              </a:p>
+              <a:p>
+                <a:pPr>
+                  <a:spcBef>
+                    <a:spcPts val="1200"/>
+                  </a:spcBef>
+                  <a:spcAft>
+                    <a:spcPts val="1200"/>
+                  </a:spcAft>
+                </a:pPr>
+                <a:endParaRPr lang="en-US" sz="2800" dirty="0">
+                  <a:latin typeface="微軟正黑體" panose="020B0604030504040204" pitchFamily="34" charset="-120"/>
+                  <a:ea typeface="微軟正黑體" panose="020B0604030504040204" pitchFamily="34" charset="-120"/>
+                </a:endParaRPr>
+              </a:p>
+              <a:p>
+                <a:pPr>
+                  <a:spcBef>
+                    <a:spcPts val="1200"/>
+                  </a:spcBef>
+                  <a:spcAft>
+                    <a:spcPts val="1200"/>
+                  </a:spcAft>
+                </a:pPr>
+                <a:endParaRPr lang="en-US" sz="2800" dirty="0" smtClean="0">
+                  <a:latin typeface="微軟正黑體" panose="020B0604030504040204" pitchFamily="34" charset="-120"/>
+                  <a:ea typeface="微軟正黑體" panose="020B0604030504040204" pitchFamily="34" charset="-120"/>
+                </a:endParaRPr>
+              </a:p>
+              <a:p>
+                <a:pPr>
+                  <a:spcBef>
+                    <a:spcPts val="1200"/>
+                  </a:spcBef>
+                  <a:spcAft>
+                    <a:spcPts val="1200"/>
+                  </a:spcAft>
+                </a:pPr>
+                <a:endParaRPr lang="en-US" sz="2800" dirty="0">
+                  <a:latin typeface="微軟正黑體" panose="020B0604030504040204" pitchFamily="34" charset="-120"/>
+                  <a:ea typeface="微軟正黑體" panose="020B0604030504040204" pitchFamily="34" charset="-120"/>
+                </a:endParaRPr>
+              </a:p>
+              <a:p>
+                <a:pPr>
+                  <a:spcBef>
+                    <a:spcPts val="1200"/>
+                  </a:spcBef>
+                  <a:spcAft>
+                    <a:spcPts val="1200"/>
+                  </a:spcAft>
+                </a:pPr>
+                <a:endParaRPr lang="en-US" sz="2800" dirty="0" smtClean="0">
+                  <a:latin typeface="微軟正黑體" panose="020B0604030504040204" pitchFamily="34" charset="-120"/>
+                  <a:ea typeface="微軟正黑體" panose="020B0604030504040204" pitchFamily="34" charset="-120"/>
+                </a:endParaRPr>
+              </a:p>
+              <a:p>
+                <a:pPr>
+                  <a:spcBef>
+                    <a:spcPts val="1200"/>
+                  </a:spcBef>
+                  <a:spcAft>
+                    <a:spcPts val="1200"/>
+                  </a:spcAft>
+                </a:pPr>
+                <a:endParaRPr lang="en-US" sz="2800" dirty="0" smtClean="0">
+                  <a:latin typeface="微軟正黑體" panose="020B0604030504040204" pitchFamily="34" charset="-120"/>
+                  <a:ea typeface="微軟正黑體" panose="020B0604030504040204" pitchFamily="34" charset="-120"/>
+                </a:endParaRPr>
+              </a:p>
+              <a:p>
+                <a:pPr>
+                  <a:spcBef>
+                    <a:spcPts val="1200"/>
+                  </a:spcBef>
+                  <a:spcAft>
+                    <a:spcPts val="1200"/>
+                  </a:spcAft>
+                </a:pPr>
+                <a:endParaRPr lang="en-US" sz="2800" dirty="0">
+                  <a:latin typeface="微軟正黑體" panose="020B0604030504040204" pitchFamily="34" charset="-120"/>
+                  <a:ea typeface="微軟正黑體" panose="020B0604030504040204" pitchFamily="34" charset="-120"/>
+                </a:endParaRPr>
+              </a:p>
+              <a:p>
+                <a:pPr>
+                  <a:spcBef>
+                    <a:spcPts val="1200"/>
+                  </a:spcBef>
+                  <a:spcAft>
+                    <a:spcPts val="1200"/>
+                  </a:spcAft>
+                </a:pPr>
+                <a:endParaRPr lang="en-US" sz="2800" dirty="0" smtClean="0">
+                  <a:latin typeface="微軟正黑體" panose="020B0604030504040204" pitchFamily="34" charset="-120"/>
+                  <a:ea typeface="微軟正黑體" panose="020B0604030504040204" pitchFamily="34" charset="-120"/>
+                </a:endParaRPr>
+              </a:p>
+              <a:p>
+                <a:pPr>
+                  <a:spcBef>
+                    <a:spcPts val="1200"/>
+                  </a:spcBef>
+                  <a:spcAft>
+                    <a:spcPts val="1200"/>
+                  </a:spcAft>
+                </a:pPr>
+                <a:r>
+                  <a:rPr lang="en-US" sz="2800" dirty="0" smtClean="0">
+                    <a:latin typeface="微軟正黑體" panose="020B0604030504040204" pitchFamily="34" charset="-120"/>
+                    <a:ea typeface="微軟正黑體" panose="020B0604030504040204" pitchFamily="34" charset="-120"/>
+                  </a:rPr>
+                  <a:t>		</a:t>
+                </a:r>
+                <a:r>
+                  <a:rPr lang="zh-TW" altLang="en-US" sz="2800" dirty="0" smtClean="0">
+                    <a:latin typeface="微軟正黑體" panose="020B0604030504040204" pitchFamily="34" charset="-120"/>
+                    <a:ea typeface="微軟正黑體" panose="020B0604030504040204" pitchFamily="34" charset="-120"/>
+                  </a:rPr>
+                  <a:t>目前我們已實作出多張影像縫合，但缺乏曝光補償，以及更有效率的縫合方法。在完成上述兩者之後，我們就會將程式移植至手機平台，並針對手機平台優化程式。</a:t>
+                </a:r>
+                <a:endParaRPr lang="en-US" sz="2800" dirty="0">
+                  <a:latin typeface="微軟正黑體" panose="020B0604030504040204" pitchFamily="34" charset="-120"/>
+                  <a:ea typeface="微軟正黑體" panose="020B0604030504040204" pitchFamily="34" charset="-120"/>
+                </a:endParaRPr>
+              </a:p>
+            </p:txBody>
+          </p:sp>
+          <p:pic>
+            <p:nvPicPr>
+              <p:cNvPr id="27" name="圖片 26"/>
+              <p:cNvPicPr>
+                <a:picLocks noChangeAspect="1"/>
+              </p:cNvPicPr>
+              <p:nvPr/>
+            </p:nvPicPr>
+            <p:blipFill>
+              <a:blip r:embed="rId14" cstate="print">
+                <a:extLst>
+                  <a:ext uri="{28A0092B-C50C-407E-A947-70E740481C1C}">
+                    <a14:useLocalDpi xmlns:a14="http://schemas.microsoft.com/office/drawing/2010/main" val="0"/>
+                  </a:ext>
+                </a:extLst>
+              </a:blip>
+              <a:stretch>
+                <a:fillRect/>
+              </a:stretch>
+            </p:blipFill>
+            <p:spPr>
+              <a:xfrm>
+                <a:off x="17612087" y="19622828"/>
+                <a:ext cx="2585002" cy="1938752"/>
+              </a:xfrm>
+              <a:prstGeom prst="rect">
+                <a:avLst/>
+              </a:prstGeom>
+            </p:spPr>
+          </p:pic>
+          <p:pic>
+            <p:nvPicPr>
+              <p:cNvPr id="33" name="圖片 32"/>
+              <p:cNvPicPr>
+                <a:picLocks noChangeAspect="1"/>
+              </p:cNvPicPr>
+              <p:nvPr/>
+            </p:nvPicPr>
+            <p:blipFill>
+              <a:blip r:embed="rId15" cstate="print">
+                <a:extLst>
+                  <a:ext uri="{28A0092B-C50C-407E-A947-70E740481C1C}">
+                    <a14:useLocalDpi xmlns:a14="http://schemas.microsoft.com/office/drawing/2010/main" val="0"/>
+                  </a:ext>
+                </a:extLst>
+              </a:blip>
+              <a:stretch>
+                <a:fillRect/>
+              </a:stretch>
+            </p:blipFill>
+            <p:spPr>
+              <a:xfrm>
+                <a:off x="17612087" y="23579614"/>
+                <a:ext cx="2585002" cy="1938752"/>
+              </a:xfrm>
+              <a:prstGeom prst="rect">
+                <a:avLst/>
+              </a:prstGeom>
+            </p:spPr>
+          </p:pic>
+          <p:pic>
+            <p:nvPicPr>
+              <p:cNvPr id="34" name="圖片 33"/>
+              <p:cNvPicPr>
+                <a:picLocks noChangeAspect="1"/>
+              </p:cNvPicPr>
+              <p:nvPr/>
+            </p:nvPicPr>
+            <p:blipFill>
+              <a:blip r:embed="rId16" cstate="print">
+                <a:extLst>
+                  <a:ext uri="{28A0092B-C50C-407E-A947-70E740481C1C}">
+                    <a14:useLocalDpi xmlns:a14="http://schemas.microsoft.com/office/drawing/2010/main" val="0"/>
+                  </a:ext>
+                </a:extLst>
+              </a:blip>
+              <a:stretch>
+                <a:fillRect/>
+              </a:stretch>
+            </p:blipFill>
+            <p:spPr>
+              <a:xfrm>
+                <a:off x="11308264" y="19893727"/>
+                <a:ext cx="5017932" cy="6732629"/>
+              </a:xfrm>
+              <a:prstGeom prst="rect">
+                <a:avLst/>
+              </a:prstGeom>
+            </p:spPr>
+          </p:pic>
+          <p:cxnSp>
+            <p:nvCxnSpPr>
+              <p:cNvPr id="36" name="直線單箭頭接點 35"/>
+              <p:cNvCxnSpPr>
+                <a:stCxn id="27" idx="1"/>
+              </p:cNvCxnSpPr>
+              <p:nvPr/>
+            </p:nvCxnSpPr>
+            <p:spPr>
+              <a:xfrm flipH="1">
+                <a:off x="14702825" y="20592204"/>
+                <a:ext cx="2909262" cy="162345"/>
+              </a:xfrm>
+              <a:prstGeom prst="straightConnector1">
+                <a:avLst/>
+              </a:prstGeom>
+              <a:ln w="76200">
+                <a:solidFill>
+                  <a:schemeClr val="accent2"/>
+                </a:solidFill>
+                <a:tailEnd type="triangle"/>
+              </a:ln>
+            </p:spPr>
+            <p:style>
+              <a:lnRef idx="1">
+                <a:schemeClr val="accent1"/>
+              </a:lnRef>
+              <a:fillRef idx="0">
+                <a:schemeClr val="accent1"/>
+              </a:fillRef>
+              <a:effectRef idx="0">
+                <a:schemeClr val="accent1"/>
+              </a:effectRef>
+              <a:fontRef idx="minor">
+                <a:schemeClr val="tx1"/>
+              </a:fontRef>
+            </p:style>
+          </p:cxnSp>
+          <p:cxnSp>
+            <p:nvCxnSpPr>
+              <p:cNvPr id="41" name="直線單箭頭接點 40"/>
+              <p:cNvCxnSpPr>
+                <a:stCxn id="32" idx="1"/>
+              </p:cNvCxnSpPr>
+              <p:nvPr/>
+            </p:nvCxnSpPr>
+            <p:spPr>
+              <a:xfrm flipH="1" flipV="1">
+                <a:off x="14557859" y="22556604"/>
+                <a:ext cx="3054228" cy="79266"/>
+              </a:xfrm>
+              <a:prstGeom prst="straightConnector1">
+                <a:avLst/>
+              </a:prstGeom>
+              <a:ln w="76200">
+                <a:solidFill>
+                  <a:schemeClr val="accent6"/>
+                </a:solidFill>
+                <a:tailEnd type="triangle"/>
+              </a:ln>
+            </p:spPr>
+            <p:style>
+              <a:lnRef idx="1">
+                <a:schemeClr val="accent1"/>
+              </a:lnRef>
+              <a:fillRef idx="0">
+                <a:schemeClr val="accent1"/>
+              </a:fillRef>
+              <a:effectRef idx="0">
+                <a:schemeClr val="accent1"/>
+              </a:effectRef>
+              <a:fontRef idx="minor">
+                <a:schemeClr val="tx1"/>
+              </a:fontRef>
+            </p:style>
+          </p:cxnSp>
+          <p:cxnSp>
+            <p:nvCxnSpPr>
+              <p:cNvPr id="43" name="直線單箭頭接點 42"/>
+              <p:cNvCxnSpPr>
+                <a:stCxn id="33" idx="1"/>
+              </p:cNvCxnSpPr>
+              <p:nvPr/>
+            </p:nvCxnSpPr>
+            <p:spPr>
+              <a:xfrm flipH="1" flipV="1">
+                <a:off x="14693791" y="23881105"/>
+                <a:ext cx="2918296" cy="667885"/>
+              </a:xfrm>
+              <a:prstGeom prst="straightConnector1">
+                <a:avLst/>
+              </a:prstGeom>
+              <a:ln w="76200">
+                <a:tailEnd type="triangle"/>
+              </a:ln>
+            </p:spPr>
+            <p:style>
+              <a:lnRef idx="1">
+                <a:schemeClr val="accent1"/>
+              </a:lnRef>
+              <a:fillRef idx="0">
+                <a:schemeClr val="accent1"/>
+              </a:fillRef>
+              <a:effectRef idx="0">
+                <a:schemeClr val="accent1"/>
+              </a:effectRef>
+              <a:fontRef idx="minor">
+                <a:schemeClr val="tx1"/>
+              </a:fontRef>
+            </p:style>
+          </p:cxnSp>
+        </p:grpSp>
+        <p:pic>
+          <p:nvPicPr>
+            <p:cNvPr id="32" name="圖片 31"/>
+            <p:cNvPicPr>
+              <a:picLocks noChangeAspect="1"/>
+            </p:cNvPicPr>
+            <p:nvPr/>
+          </p:nvPicPr>
+          <p:blipFill>
+            <a:blip r:embed="rId17" cstate="print">
+              <a:extLst>
+                <a:ext uri="{28A0092B-C50C-407E-A947-70E740481C1C}">
+                  <a14:useLocalDpi xmlns:a14="http://schemas.microsoft.com/office/drawing/2010/main" val="0"/>
+                </a:ext>
+              </a:extLst>
+            </a:blip>
+            <a:stretch>
+              <a:fillRect/>
+            </a:stretch>
+          </p:blipFill>
+          <p:spPr>
+            <a:xfrm>
+              <a:off x="17612087" y="21666494"/>
+              <a:ext cx="2585002" cy="1938752"/>
+            </a:xfrm>
+            <a:prstGeom prst="rect">
+              <a:avLst/>
+            </a:prstGeom>
+          </p:spPr>
+        </p:pic>
+      </p:grpSp>
     </p:spTree>
     <p:extLst>
       <p:ext uri="{BB962C8B-B14F-4D97-AF65-F5344CB8AC3E}">

--- a/poster/Presentation1.pptx
+++ b/poster/Presentation1.pptx
@@ -3981,18 +3981,25 @@
                     <a:t>，並依序利用</a:t>
                   </a:r>
                   <a:r>
-                    <a:rPr lang="en-US" altLang="zh-TW" sz="2800" dirty="0">
+                    <a:rPr lang="en-US" altLang="zh-TW" sz="2800" smtClean="0">
                       <a:latin typeface="微軟正黑體" panose="020B0604030504040204" pitchFamily="34" charset="-120"/>
                       <a:ea typeface="微軟正黑體" panose="020B0604030504040204" pitchFamily="34" charset="-120"/>
                     </a:rPr>
-                    <a:t>DP</a:t>
+                    <a:t>DFS</a:t>
+                  </a:r>
+                  <a:r>
+                    <a:rPr lang="zh-TW" altLang="en-US" sz="2800" smtClean="0">
+                      <a:latin typeface="微軟正黑體" panose="020B0604030504040204" pitchFamily="34" charset="-120"/>
+                      <a:ea typeface="微軟正黑體" panose="020B0604030504040204" pitchFamily="34" charset="-120"/>
+                    </a:rPr>
+                    <a:t>找出</a:t>
                   </a:r>
                   <a:r>
                     <a:rPr lang="zh-TW" altLang="en-US" sz="2800" dirty="0">
                       <a:latin typeface="微軟正黑體" panose="020B0604030504040204" pitchFamily="34" charset="-120"/>
                       <a:ea typeface="微軟正黑體" panose="020B0604030504040204" pitchFamily="34" charset="-120"/>
                     </a:rPr>
-                    <a:t>找出能轉至基底的路徑</a:t>
+                    <a:t>能轉至基底的路徑</a:t>
                   </a:r>
                   <a:endParaRPr lang="en-US" altLang="zh-TW" sz="2800" dirty="0">
                     <a:latin typeface="微軟正黑體" panose="020B0604030504040204" pitchFamily="34" charset="-120"/>
@@ -4470,21 +4477,35 @@
                     <a:latin typeface="微軟正黑體" panose="020B0604030504040204" pitchFamily="34" charset="-120"/>
                     <a:ea typeface="微軟正黑體" panose="020B0604030504040204" pitchFamily="34" charset="-120"/>
                   </a:rPr>
-                  <a:t>計算縫線路徑累積的影像差值後除以縫線長度，當作決定縫線好壞的標準，存入一二維陣列，最後根據此陣列利用</a:t>
+                  <a:t>計算縫線路徑累積的影像差值後除以縫線長度，當作決定縫線好壞的標準，存入一二維陣列，最後根據此陣列</a:t>
+                </a:r>
+                <a:r>
+                  <a:rPr lang="zh-TW" altLang="en-US" sz="2800" dirty="0" smtClean="0">
+                    <a:latin typeface="微軟正黑體" panose="020B0604030504040204" pitchFamily="34" charset="-120"/>
+                    <a:ea typeface="微軟正黑體" panose="020B0604030504040204" pitchFamily="34" charset="-120"/>
+                  </a:rPr>
+                  <a:t>利用</a:t>
                 </a:r>
                 <a:r>
                   <a:rPr lang="en-US" altLang="zh-TW" sz="2800" dirty="0" smtClean="0">
                     <a:latin typeface="微軟正黑體" panose="020B0604030504040204" pitchFamily="34" charset="-120"/>
                     <a:ea typeface="微軟正黑體" panose="020B0604030504040204" pitchFamily="34" charset="-120"/>
                   </a:rPr>
-                  <a:t>DP</a:t>
+                  <a:t>DFS</a:t>
                 </a:r>
                 <a:r>
                   <a:rPr lang="zh-TW" altLang="en-US" sz="2800" dirty="0" smtClean="0">
                     <a:latin typeface="微軟正黑體" panose="020B0604030504040204" pitchFamily="34" charset="-120"/>
                     <a:ea typeface="微軟正黑體" panose="020B0604030504040204" pitchFamily="34" charset="-120"/>
                   </a:rPr>
-                  <a:t>找出最佳縫合影像的順序</a:t>
+                  <a:t>找出</a:t>
+                </a:r>
+                <a:r>
+                  <a:rPr lang="zh-TW" altLang="en-US" sz="2800" dirty="0" smtClean="0">
+                    <a:latin typeface="微軟正黑體" panose="020B0604030504040204" pitchFamily="34" charset="-120"/>
+                    <a:ea typeface="微軟正黑體" panose="020B0604030504040204" pitchFamily="34" charset="-120"/>
+                  </a:rPr>
+                  <a:t>最佳縫合影像的順序</a:t>
                 </a:r>
                 <a:endParaRPr lang="en-US" altLang="zh-TW" sz="2800" dirty="0" smtClean="0">
                   <a:latin typeface="微軟正黑體" panose="020B0604030504040204" pitchFamily="34" charset="-120"/>
@@ -4571,14 +4592,7 @@
                     <a:latin typeface="微軟正黑體" panose="020B0604030504040204" pitchFamily="34" charset="-120"/>
                     <a:ea typeface="微軟正黑體" panose="020B0604030504040204" pitchFamily="34" charset="-120"/>
                   </a:rPr>
-                  <a:t>根據縫合順序縫合</a:t>
-                </a:r>
-                <a:r>
-                  <a:rPr lang="zh-TW" altLang="en-US" sz="2800" dirty="0" smtClean="0">
-                    <a:latin typeface="微軟正黑體" panose="020B0604030504040204" pitchFamily="34" charset="-120"/>
-                    <a:ea typeface="微軟正黑體" panose="020B0604030504040204" pitchFamily="34" charset="-120"/>
-                  </a:rPr>
-                  <a:t>影像</a:t>
+                  <a:t>根據縫合順序縫合影像</a:t>
                 </a:r>
                 <a:endParaRPr lang="en-US" altLang="zh-TW" sz="2800" dirty="0" smtClean="0">
                   <a:latin typeface="微軟正黑體" panose="020B0604030504040204" pitchFamily="34" charset="-120"/>
